--- a/Document/GIANTS_SixthPresentation.pptx
+++ b/Document/GIANTS_SixthPresentation.pptx
@@ -1,6 +1,6 @@
 
 <file path=ppt/presentation.xml><?xml version="1.0" encoding="utf-8"?>
-<p:presentation xmlns:a="http://schemas.openxmlformats.org/drawingml/2006/main" xmlns:r="http://schemas.openxmlformats.org/officeDocument/2006/relationships" xmlns:p="http://schemas.openxmlformats.org/presentationml/2006/main" autoCompressPictures="0">
+<p:presentation xmlns:a="http://schemas.openxmlformats.org/drawingml/2006/main" xmlns:r="http://schemas.openxmlformats.org/officeDocument/2006/relationships" xmlns:p="http://schemas.openxmlformats.org/presentationml/2006/main" saveSubsetFonts="1" autoCompressPictures="0">
   <p:sldMasterIdLst>
     <p:sldMasterId id="2147483648" r:id="rId1"/>
   </p:sldMasterIdLst>
@@ -10,6 +10,8 @@
     <p:sldId id="258" r:id="rId4"/>
     <p:sldId id="259" r:id="rId5"/>
     <p:sldId id="260" r:id="rId6"/>
+    <p:sldId id="261" r:id="rId7"/>
+    <p:sldId id="262" r:id="rId8"/>
   </p:sldIdLst>
   <p:sldSz cx="12192000" cy="6858000"/>
   <p:notesSz cx="6858000" cy="9144000"/>
@@ -108,6 +110,11 @@
       </a:defRPr>
     </a:lvl9pPr>
   </p:defaultTextStyle>
+  <p:extLst>
+    <p:ext uri="{EFAFB233-063F-42B5-8137-9DF3F51BA10A}">
+      <p15:sldGuideLst xmlns:p15="http://schemas.microsoft.com/office/powerpoint/2012/main"/>
+    </p:ext>
+  </p:extLst>
 </p:presentation>
 </file>
 
@@ -341,7 +348,7 @@
             <a:fld id="{B61BEF0D-F0BB-DE4B-95CE-6DB70DBA9567}" type="datetimeFigureOut">
               <a:rPr lang="en-US" dirty="0"/>
               <a:pPr/>
-              <a:t>4/25/2017</a:t>
+              <a:t>4/25/17</a:t>
             </a:fld>
             <a:endParaRPr lang="en-US" dirty="0"/>
           </a:p>
@@ -672,7 +679,7 @@
             <a:fld id="{B61BEF0D-F0BB-DE4B-95CE-6DB70DBA9567}" type="datetimeFigureOut">
               <a:rPr lang="en-US" dirty="0"/>
               <a:pPr/>
-              <a:t>4/25/2017</a:t>
+              <a:t>4/25/17</a:t>
             </a:fld>
             <a:endParaRPr lang="en-US" dirty="0"/>
           </a:p>
@@ -947,7 +954,7 @@
             <a:fld id="{B61BEF0D-F0BB-DE4B-95CE-6DB70DBA9567}" type="datetimeFigureOut">
               <a:rPr lang="en-US" dirty="0"/>
               <a:pPr/>
-              <a:t>4/25/2017</a:t>
+              <a:t>4/25/17</a:t>
             </a:fld>
             <a:endParaRPr lang="en-US" dirty="0"/>
           </a:p>
@@ -1512,7 +1519,7 @@
             <a:fld id="{B61BEF0D-F0BB-DE4B-95CE-6DB70DBA9567}" type="datetimeFigureOut">
               <a:rPr lang="en-US" dirty="0"/>
               <a:pPr/>
-              <a:t>4/25/2017</a:t>
+              <a:t>4/25/17</a:t>
             </a:fld>
             <a:endParaRPr lang="en-US" dirty="0"/>
           </a:p>
@@ -1787,7 +1794,7 @@
             <a:fld id="{B61BEF0D-F0BB-DE4B-95CE-6DB70DBA9567}" type="datetimeFigureOut">
               <a:rPr lang="en-US" dirty="0"/>
               <a:pPr/>
-              <a:t>4/25/2017</a:t>
+              <a:t>4/25/17</a:t>
             </a:fld>
             <a:endParaRPr lang="en-US" dirty="0"/>
           </a:p>
@@ -2346,7 +2353,7 @@
             <a:fld id="{B61BEF0D-F0BB-DE4B-95CE-6DB70DBA9567}" type="datetimeFigureOut">
               <a:rPr lang="en-US" dirty="0"/>
               <a:pPr/>
-              <a:t>4/25/2017</a:t>
+              <a:t>4/25/17</a:t>
             </a:fld>
             <a:endParaRPr lang="en-US" dirty="0"/>
           </a:p>
@@ -2670,7 +2677,7 @@
             <a:fld id="{B61BEF0D-F0BB-DE4B-95CE-6DB70DBA9567}" type="datetimeFigureOut">
               <a:rPr lang="en-US" dirty="0"/>
               <a:pPr/>
-              <a:t>4/25/2017</a:t>
+              <a:t>4/25/17</a:t>
             </a:fld>
             <a:endParaRPr lang="en-US" dirty="0"/>
           </a:p>
@@ -2844,7 +2851,7 @@
             <a:fld id="{B61BEF0D-F0BB-DE4B-95CE-6DB70DBA9567}" type="datetimeFigureOut">
               <a:rPr lang="en-US" dirty="0"/>
               <a:pPr/>
-              <a:t>4/25/2017</a:t>
+              <a:t>4/25/17</a:t>
             </a:fld>
             <a:endParaRPr lang="en-US" dirty="0"/>
           </a:p>
@@ -3079,7 +3086,7 @@
             <a:fld id="{B61BEF0D-F0BB-DE4B-95CE-6DB70DBA9567}" type="datetimeFigureOut">
               <a:rPr lang="en-US" dirty="0"/>
               <a:pPr/>
-              <a:t>4/25/2017</a:t>
+              <a:t>4/25/17</a:t>
             </a:fld>
             <a:endParaRPr lang="en-US" dirty="0"/>
           </a:p>
@@ -3276,7 +3283,7 @@
             <a:fld id="{B61BEF0D-F0BB-DE4B-95CE-6DB70DBA9567}" type="datetimeFigureOut">
               <a:rPr lang="en-US" dirty="0"/>
               <a:pPr/>
-              <a:t>4/25/2017</a:t>
+              <a:t>4/25/17</a:t>
             </a:fld>
             <a:endParaRPr lang="en-US" dirty="0"/>
           </a:p>
@@ -3549,7 +3556,7 @@
             <a:fld id="{B61BEF0D-F0BB-DE4B-95CE-6DB70DBA9567}" type="datetimeFigureOut">
               <a:rPr lang="en-US" dirty="0"/>
               <a:pPr/>
-              <a:t>4/25/2017</a:t>
+              <a:t>4/25/17</a:t>
             </a:fld>
             <a:endParaRPr lang="en-US" dirty="0"/>
           </a:p>
@@ -3812,7 +3819,7 @@
             <a:fld id="{B61BEF0D-F0BB-DE4B-95CE-6DB70DBA9567}" type="datetimeFigureOut">
               <a:rPr lang="en-US" dirty="0"/>
               <a:pPr/>
-              <a:t>4/25/2017</a:t>
+              <a:t>4/25/17</a:t>
             </a:fld>
             <a:endParaRPr lang="en-US" dirty="0"/>
           </a:p>
@@ -4183,7 +4190,7 @@
             <a:fld id="{B61BEF0D-F0BB-DE4B-95CE-6DB70DBA9567}" type="datetimeFigureOut">
               <a:rPr lang="en-US" dirty="0"/>
               <a:pPr/>
-              <a:t>4/25/2017</a:t>
+              <a:t>4/25/17</a:t>
             </a:fld>
             <a:endParaRPr lang="en-US" dirty="0"/>
           </a:p>
@@ -4328,7 +4335,7 @@
             <a:fld id="{B61BEF0D-F0BB-DE4B-95CE-6DB70DBA9567}" type="datetimeFigureOut">
               <a:rPr lang="en-US" dirty="0"/>
               <a:pPr/>
-              <a:t>4/25/2017</a:t>
+              <a:t>4/25/17</a:t>
             </a:fld>
             <a:endParaRPr lang="en-US" dirty="0"/>
           </a:p>
@@ -4450,7 +4457,7 @@
             <a:fld id="{B61BEF0D-F0BB-DE4B-95CE-6DB70DBA9567}" type="datetimeFigureOut">
               <a:rPr lang="en-US" dirty="0"/>
               <a:pPr/>
-              <a:t>4/25/2017</a:t>
+              <a:t>4/25/17</a:t>
             </a:fld>
             <a:endParaRPr lang="en-US" dirty="0"/>
           </a:p>
@@ -4732,7 +4739,7 @@
             <a:fld id="{B61BEF0D-F0BB-DE4B-95CE-6DB70DBA9567}" type="datetimeFigureOut">
               <a:rPr lang="en-US" dirty="0"/>
               <a:pPr/>
-              <a:t>4/25/2017</a:t>
+              <a:t>4/25/17</a:t>
             </a:fld>
             <a:endParaRPr lang="en-US" dirty="0"/>
           </a:p>
@@ -5053,7 +5060,7 @@
             <a:fld id="{B61BEF0D-F0BB-DE4B-95CE-6DB70DBA9567}" type="datetimeFigureOut">
               <a:rPr lang="en-US" dirty="0"/>
               <a:pPr/>
-              <a:t>4/25/2017</a:t>
+              <a:t>4/25/17</a:t>
             </a:fld>
             <a:endParaRPr lang="en-US" dirty="0"/>
           </a:p>
@@ -5264,7 +5271,7 @@
             <a:fld id="{B61BEF0D-F0BB-DE4B-95CE-6DB70DBA9567}" type="datetimeFigureOut">
               <a:rPr lang="en-US" dirty="0"/>
               <a:pPr/>
-              <a:t>4/25/2017</a:t>
+              <a:t>4/25/17</a:t>
             </a:fld>
             <a:endParaRPr lang="en-US" dirty="0"/>
           </a:p>
@@ -6078,7 +6085,7 @@
         <p:spPr>
           <a:xfrm>
             <a:off x="791308" y="1846385"/>
-            <a:ext cx="10025918" cy="2031325"/>
+            <a:ext cx="10025918" cy="4093428"/>
           </a:xfrm>
           <a:prstGeom prst="rect">
             <a:avLst/>
@@ -6091,26 +6098,79 @@
           </a:bodyPr>
           <a:lstStyle/>
           <a:p>
-            <a:r>
-              <a:rPr lang="en-US" dirty="0"/>
-              <a:t>Keep all computer works such as programming, testing, debugging and integration outside the scope of the meetings.</a:t>
-            </a:r>
-          </a:p>
-          <a:p>
-            <a:r>
-              <a:rPr lang="en-US" dirty="0"/>
-              <a:t>Make the error messages more specific.</a:t>
-            </a:r>
-          </a:p>
-          <a:p>
-            <a:r>
-              <a:rPr lang="en-US" dirty="0"/>
-              <a:t>Give user a hint when the algorithm terminates.</a:t>
-            </a:r>
-          </a:p>
-          <a:p>
-            <a:r>
-              <a:rPr lang="en-US" dirty="0"/>
+            <a:pPr marL="285750" indent="-285750">
+              <a:buFont typeface="Arial" charset="0"/>
+              <a:buChar char="•"/>
+            </a:pPr>
+            <a:r>
+              <a:rPr lang="en-US" sz="2800" dirty="0" smtClean="0"/>
+              <a:t>Keep </a:t>
+            </a:r>
+            <a:r>
+              <a:rPr lang="en-US" sz="2800" dirty="0"/>
+              <a:t>all computer works such as programming, testing, debugging and integration outside the scope of the meetings</a:t>
+            </a:r>
+            <a:r>
+              <a:rPr lang="en-US" sz="2800" dirty="0" smtClean="0"/>
+              <a:t>.</a:t>
+            </a:r>
+          </a:p>
+          <a:p>
+            <a:pPr marL="285750" indent="-285750">
+              <a:buFont typeface="Arial" charset="0"/>
+              <a:buChar char="•"/>
+            </a:pPr>
+            <a:endParaRPr lang="en-US" sz="2800" dirty="0"/>
+          </a:p>
+          <a:p>
+            <a:pPr marL="285750" indent="-285750">
+              <a:buFont typeface="Arial" charset="0"/>
+              <a:buChar char="•"/>
+            </a:pPr>
+            <a:r>
+              <a:rPr lang="en-US" sz="2800" dirty="0"/>
+              <a:t>Make the error messages more specific</a:t>
+            </a:r>
+            <a:r>
+              <a:rPr lang="en-US" sz="2800" dirty="0" smtClean="0"/>
+              <a:t>.</a:t>
+            </a:r>
+          </a:p>
+          <a:p>
+            <a:pPr marL="285750" indent="-285750">
+              <a:buFont typeface="Arial" charset="0"/>
+              <a:buChar char="•"/>
+            </a:pPr>
+            <a:endParaRPr lang="en-US" sz="2800" dirty="0"/>
+          </a:p>
+          <a:p>
+            <a:pPr marL="285750" indent="-285750">
+              <a:buFont typeface="Arial" charset="0"/>
+              <a:buChar char="•"/>
+            </a:pPr>
+            <a:r>
+              <a:rPr lang="en-US" sz="2800" dirty="0"/>
+              <a:t>Give user a hint when the algorithm terminates</a:t>
+            </a:r>
+            <a:r>
+              <a:rPr lang="en-US" sz="2800" dirty="0" smtClean="0"/>
+              <a:t>.</a:t>
+            </a:r>
+          </a:p>
+          <a:p>
+            <a:pPr marL="285750" indent="-285750">
+              <a:buFont typeface="Arial" charset="0"/>
+              <a:buChar char="•"/>
+            </a:pPr>
+            <a:endParaRPr lang="en-US" sz="2800" dirty="0"/>
+          </a:p>
+          <a:p>
+            <a:pPr marL="285750" indent="-285750">
+              <a:buFont typeface="Arial" charset="0"/>
+              <a:buChar char="•"/>
+            </a:pPr>
+            <a:r>
+              <a:rPr lang="en-US" sz="2800" dirty="0"/>
               <a:t>Do more testing.</a:t>
             </a:r>
           </a:p>
@@ -6191,7 +6251,7 @@
         </p:nvGraphicFramePr>
         <p:xfrm>
           <a:off x="685801" y="422031"/>
-          <a:ext cx="10876082" cy="6325251"/>
+          <a:ext cx="10876082" cy="6335347"/>
         </p:xfrm>
         <a:graphic>
           <a:graphicData uri="http://schemas.openxmlformats.org/drawingml/2006/table">
@@ -6203,56 +6263,56 @@
                 <a:gridCol w="711067">
                   <a:extLst>
                     <a:ext uri="{9D8B030D-6E8A-4147-A177-3AD203B41FA5}">
-                      <a16:colId xmlns:a16="http://schemas.microsoft.com/office/drawing/2014/main" val="3572399903"/>
+                      <a16:colId xmlns:a16="http://schemas.microsoft.com/office/drawing/2014/main" xmlns="" val="3572399903"/>
                     </a:ext>
                   </a:extLst>
                 </a:gridCol>
                 <a:gridCol w="716116">
                   <a:extLst>
                     <a:ext uri="{9D8B030D-6E8A-4147-A177-3AD203B41FA5}">
-                      <a16:colId xmlns:a16="http://schemas.microsoft.com/office/drawing/2014/main" val="3375763455"/>
+                      <a16:colId xmlns:a16="http://schemas.microsoft.com/office/drawing/2014/main" xmlns="" val="3375763455"/>
                     </a:ext>
                   </a:extLst>
                 </a:gridCol>
                 <a:gridCol w="4208685">
                   <a:extLst>
                     <a:ext uri="{9D8B030D-6E8A-4147-A177-3AD203B41FA5}">
-                      <a16:colId xmlns:a16="http://schemas.microsoft.com/office/drawing/2014/main" val="1475375858"/>
+                      <a16:colId xmlns:a16="http://schemas.microsoft.com/office/drawing/2014/main" xmlns="" val="1475375858"/>
                     </a:ext>
                   </a:extLst>
                 </a:gridCol>
                 <a:gridCol w="1011115">
                   <a:extLst>
                     <a:ext uri="{9D8B030D-6E8A-4147-A177-3AD203B41FA5}">
-                      <a16:colId xmlns:a16="http://schemas.microsoft.com/office/drawing/2014/main" val="525330703"/>
+                      <a16:colId xmlns:a16="http://schemas.microsoft.com/office/drawing/2014/main" xmlns="" val="525330703"/>
                     </a:ext>
                   </a:extLst>
                 </a:gridCol>
                 <a:gridCol w="975946">
                   <a:extLst>
                     <a:ext uri="{9D8B030D-6E8A-4147-A177-3AD203B41FA5}">
-                      <a16:colId xmlns:a16="http://schemas.microsoft.com/office/drawing/2014/main" val="495305958"/>
+                      <a16:colId xmlns:a16="http://schemas.microsoft.com/office/drawing/2014/main" xmlns="" val="495305958"/>
                     </a:ext>
                   </a:extLst>
                 </a:gridCol>
                 <a:gridCol w="852854">
                   <a:extLst>
                     <a:ext uri="{9D8B030D-6E8A-4147-A177-3AD203B41FA5}">
-                      <a16:colId xmlns:a16="http://schemas.microsoft.com/office/drawing/2014/main" val="2411145733"/>
+                      <a16:colId xmlns:a16="http://schemas.microsoft.com/office/drawing/2014/main" xmlns="" val="2411145733"/>
                     </a:ext>
                   </a:extLst>
                 </a:gridCol>
                 <a:gridCol w="1274885">
                   <a:extLst>
                     <a:ext uri="{9D8B030D-6E8A-4147-A177-3AD203B41FA5}">
-                      <a16:colId xmlns:a16="http://schemas.microsoft.com/office/drawing/2014/main" val="680018448"/>
+                      <a16:colId xmlns:a16="http://schemas.microsoft.com/office/drawing/2014/main" xmlns="" val="680018448"/>
                     </a:ext>
                   </a:extLst>
                 </a:gridCol>
                 <a:gridCol w="1125414">
                   <a:extLst>
                     <a:ext uri="{9D8B030D-6E8A-4147-A177-3AD203B41FA5}">
-                      <a16:colId xmlns:a16="http://schemas.microsoft.com/office/drawing/2014/main" val="3158719326"/>
+                      <a16:colId xmlns:a16="http://schemas.microsoft.com/office/drawing/2014/main" xmlns="" val="3158719326"/>
                     </a:ext>
                   </a:extLst>
                 </a:gridCol>
@@ -6468,7 +6528,7 @@
                 </a:tc>
                 <a:extLst>
                   <a:ext uri="{0D108BD9-81ED-4DB2-BD59-A6C34878D82A}">
-                    <a16:rowId xmlns:a16="http://schemas.microsoft.com/office/drawing/2014/main" val="1269157387"/>
+                    <a16:rowId xmlns:a16="http://schemas.microsoft.com/office/drawing/2014/main" xmlns="" val="1269157387"/>
                   </a:ext>
                 </a:extLst>
               </a:tr>
@@ -6731,7 +6791,7 @@
                 </a:tc>
                 <a:extLst>
                   <a:ext uri="{0D108BD9-81ED-4DB2-BD59-A6C34878D82A}">
-                    <a16:rowId xmlns:a16="http://schemas.microsoft.com/office/drawing/2014/main" val="4279069953"/>
+                    <a16:rowId xmlns:a16="http://schemas.microsoft.com/office/drawing/2014/main" xmlns="" val="4279069953"/>
                   </a:ext>
                 </a:extLst>
               </a:tr>
@@ -6994,7 +7054,7 @@
                 </a:tc>
                 <a:extLst>
                   <a:ext uri="{0D108BD9-81ED-4DB2-BD59-A6C34878D82A}">
-                    <a16:rowId xmlns:a16="http://schemas.microsoft.com/office/drawing/2014/main" val="3281911926"/>
+                    <a16:rowId xmlns:a16="http://schemas.microsoft.com/office/drawing/2014/main" xmlns="" val="3281911926"/>
                   </a:ext>
                 </a:extLst>
               </a:tr>
@@ -7257,7 +7317,7 @@
                 </a:tc>
                 <a:extLst>
                   <a:ext uri="{0D108BD9-81ED-4DB2-BD59-A6C34878D82A}">
-                    <a16:rowId xmlns:a16="http://schemas.microsoft.com/office/drawing/2014/main" val="3944867259"/>
+                    <a16:rowId xmlns:a16="http://schemas.microsoft.com/office/drawing/2014/main" xmlns="" val="3944867259"/>
                   </a:ext>
                 </a:extLst>
               </a:tr>
@@ -7343,12 +7403,12 @@
                         </a:spcAft>
                       </a:pPr>
                       <a:r>
-                        <a:rPr lang="en-US" sz="1400">
+                        <a:rPr lang="en-US" sz="1400" dirty="0">
                           <a:effectLst/>
                         </a:rPr>
                         <a:t>Acceptance testing of file validation for free-form</a:t>
                       </a:r>
-                      <a:endParaRPr lang="en-US" sz="1400">
+                      <a:endParaRPr lang="en-US" sz="1400" dirty="0">
                         <a:effectLst/>
                         <a:latin typeface="Calibri" panose="020F0502020204030204" pitchFamily="34" charset="0"/>
                         <a:ea typeface="DengXian" panose="02010600030101010101" pitchFamily="2" charset="-122"/>
@@ -7520,7 +7580,7 @@
                 </a:tc>
                 <a:extLst>
                   <a:ext uri="{0D108BD9-81ED-4DB2-BD59-A6C34878D82A}">
-                    <a16:rowId xmlns:a16="http://schemas.microsoft.com/office/drawing/2014/main" val="980200995"/>
+                    <a16:rowId xmlns:a16="http://schemas.microsoft.com/office/drawing/2014/main" xmlns="" val="980200995"/>
                   </a:ext>
                 </a:extLst>
               </a:tr>
@@ -7783,7 +7843,7 @@
                 </a:tc>
                 <a:extLst>
                   <a:ext uri="{0D108BD9-81ED-4DB2-BD59-A6C34878D82A}">
-                    <a16:rowId xmlns:a16="http://schemas.microsoft.com/office/drawing/2014/main" val="721438195"/>
+                    <a16:rowId xmlns:a16="http://schemas.microsoft.com/office/drawing/2014/main" xmlns="" val="721438195"/>
                   </a:ext>
                 </a:extLst>
               </a:tr>
@@ -8046,7 +8106,7 @@
                 </a:tc>
                 <a:extLst>
                   <a:ext uri="{0D108BD9-81ED-4DB2-BD59-A6C34878D82A}">
-                    <a16:rowId xmlns:a16="http://schemas.microsoft.com/office/drawing/2014/main" val="3159134189"/>
+                    <a16:rowId xmlns:a16="http://schemas.microsoft.com/office/drawing/2014/main" xmlns="" val="3159134189"/>
                   </a:ext>
                 </a:extLst>
               </a:tr>
@@ -8309,7 +8369,7 @@
                 </a:tc>
                 <a:extLst>
                   <a:ext uri="{0D108BD9-81ED-4DB2-BD59-A6C34878D82A}">
-                    <a16:rowId xmlns:a16="http://schemas.microsoft.com/office/drawing/2014/main" val="166140462"/>
+                    <a16:rowId xmlns:a16="http://schemas.microsoft.com/office/drawing/2014/main" xmlns="" val="166140462"/>
                   </a:ext>
                 </a:extLst>
               </a:tr>
@@ -8572,7 +8632,7 @@
                 </a:tc>
                 <a:extLst>
                   <a:ext uri="{0D108BD9-81ED-4DB2-BD59-A6C34878D82A}">
-                    <a16:rowId xmlns:a16="http://schemas.microsoft.com/office/drawing/2014/main" val="4152327459"/>
+                    <a16:rowId xmlns:a16="http://schemas.microsoft.com/office/drawing/2014/main" xmlns="" val="4152327459"/>
                   </a:ext>
                 </a:extLst>
               </a:tr>
@@ -8835,7 +8895,7 @@
                 </a:tc>
                 <a:extLst>
                   <a:ext uri="{0D108BD9-81ED-4DB2-BD59-A6C34878D82A}">
-                    <a16:rowId xmlns:a16="http://schemas.microsoft.com/office/drawing/2014/main" val="2841622392"/>
+                    <a16:rowId xmlns:a16="http://schemas.microsoft.com/office/drawing/2014/main" xmlns="" val="2841622392"/>
                   </a:ext>
                 </a:extLst>
               </a:tr>
@@ -9098,7 +9158,7 @@
                 </a:tc>
                 <a:extLst>
                   <a:ext uri="{0D108BD9-81ED-4DB2-BD59-A6C34878D82A}">
-                    <a16:rowId xmlns:a16="http://schemas.microsoft.com/office/drawing/2014/main" val="1613138588"/>
+                    <a16:rowId xmlns:a16="http://schemas.microsoft.com/office/drawing/2014/main" xmlns="" val="1613138588"/>
                   </a:ext>
                 </a:extLst>
               </a:tr>
@@ -9367,7 +9427,7 @@
                 </a:tc>
                 <a:extLst>
                   <a:ext uri="{0D108BD9-81ED-4DB2-BD59-A6C34878D82A}">
-                    <a16:rowId xmlns:a16="http://schemas.microsoft.com/office/drawing/2014/main" val="282504601"/>
+                    <a16:rowId xmlns:a16="http://schemas.microsoft.com/office/drawing/2014/main" xmlns="" val="282504601"/>
                   </a:ext>
                 </a:extLst>
               </a:tr>
@@ -9630,7 +9690,7 @@
                 </a:tc>
                 <a:extLst>
                   <a:ext uri="{0D108BD9-81ED-4DB2-BD59-A6C34878D82A}">
-                    <a16:rowId xmlns:a16="http://schemas.microsoft.com/office/drawing/2014/main" val="3834857500"/>
+                    <a16:rowId xmlns:a16="http://schemas.microsoft.com/office/drawing/2014/main" xmlns="" val="3834857500"/>
                   </a:ext>
                 </a:extLst>
               </a:tr>
@@ -9893,7 +9953,7 @@
                 </a:tc>
                 <a:extLst>
                   <a:ext uri="{0D108BD9-81ED-4DB2-BD59-A6C34878D82A}">
-                    <a16:rowId xmlns:a16="http://schemas.microsoft.com/office/drawing/2014/main" val="2658550175"/>
+                    <a16:rowId xmlns:a16="http://schemas.microsoft.com/office/drawing/2014/main" xmlns="" val="2658550175"/>
                   </a:ext>
                 </a:extLst>
               </a:tr>
@@ -9948,27 +10008,492 @@
           <a:p>
             <a:r>
               <a:rPr lang="en-US" dirty="0"/>
-              <a:t>Test cases</a:t>
-            </a:r>
+              <a:t>Test </a:t>
+            </a:r>
+            <a:r>
+              <a:rPr lang="en-US" dirty="0" smtClean="0"/>
+              <a:t>cases</a:t>
+            </a:r>
+            <a:endParaRPr lang="en-US" dirty="0"/>
           </a:p>
         </p:txBody>
       </p:sp>
+      <p:graphicFrame>
+        <p:nvGraphicFramePr>
+          <p:cNvPr id="8" name="Content Placeholder 7"/>
+          <p:cNvGraphicFramePr>
+            <a:graphicFrameLocks noGrp="1"/>
+          </p:cNvGraphicFramePr>
+          <p:nvPr>
+            <p:ph idx="1"/>
+            <p:extLst>
+              <p:ext uri="{D42A27DB-BD31-4B8C-83A1-F6EECF244321}">
+                <p14:modId xmlns:p14="http://schemas.microsoft.com/office/powerpoint/2010/main" val="483127960"/>
+              </p:ext>
+            </p:extLst>
+          </p:nvPr>
+        </p:nvGraphicFramePr>
+        <p:xfrm>
+          <a:off x="685800" y="2141538"/>
+          <a:ext cx="10906432" cy="2291080"/>
+        </p:xfrm>
+        <a:graphic>
+          <a:graphicData uri="http://schemas.openxmlformats.org/drawingml/2006/table">
+            <a:tbl>
+              <a:tblPr firstRow="1" bandRow="1">
+                <a:tableStyleId>{5C22544A-7EE6-4342-B048-85BDC9FD1C3A}</a:tableStyleId>
+              </a:tblPr>
+              <a:tblGrid>
+                <a:gridCol w="1135175"/>
+                <a:gridCol w="5032873"/>
+                <a:gridCol w="2270350"/>
+                <a:gridCol w="2468034"/>
+              </a:tblGrid>
+              <a:tr h="370840">
+                <a:tc>
+                  <a:txBody>
+                    <a:bodyPr/>
+                    <a:lstStyle/>
+                    <a:p>
+                      <a:r>
+                        <a:rPr lang="en-US" altLang="zh-CN" dirty="0" smtClean="0"/>
+                        <a:t>Test</a:t>
+                      </a:r>
+                      <a:r>
+                        <a:rPr lang="zh-CN" altLang="en-US" dirty="0" smtClean="0"/>
+                        <a:t> </a:t>
+                      </a:r>
+                      <a:r>
+                        <a:rPr lang="en-US" altLang="zh-CN" dirty="0" smtClean="0"/>
+                        <a:t>Case #</a:t>
+                      </a:r>
+                      <a:endParaRPr lang="en-US" dirty="0"/>
+                    </a:p>
+                  </a:txBody>
+                  <a:tcPr/>
+                </a:tc>
+                <a:tc>
+                  <a:txBody>
+                    <a:bodyPr/>
+                    <a:lstStyle/>
+                    <a:p>
+                      <a:r>
+                        <a:rPr lang="en-US" dirty="0" smtClean="0"/>
+                        <a:t>Scenario</a:t>
+                      </a:r>
+                      <a:endParaRPr lang="en-US" dirty="0"/>
+                    </a:p>
+                  </a:txBody>
+                  <a:tcPr/>
+                </a:tc>
+                <a:tc>
+                  <a:txBody>
+                    <a:bodyPr/>
+                    <a:lstStyle/>
+                    <a:p>
+                      <a:r>
+                        <a:rPr lang="en-US" dirty="0" smtClean="0"/>
+                        <a:t>Input(s)</a:t>
+                      </a:r>
+                      <a:endParaRPr lang="en-US" dirty="0"/>
+                    </a:p>
+                  </a:txBody>
+                  <a:tcPr/>
+                </a:tc>
+                <a:tc>
+                  <a:txBody>
+                    <a:bodyPr/>
+                    <a:lstStyle/>
+                    <a:p>
+                      <a:pPr marL="0" marR="0" indent="0" algn="l" defTabSz="457200" rtl="0" eaLnBrk="1" fontAlgn="auto" latinLnBrk="0" hangingPunct="1">
+                        <a:lnSpc>
+                          <a:spcPct val="100000"/>
+                        </a:lnSpc>
+                        <a:spcBef>
+                          <a:spcPts val="0"/>
+                        </a:spcBef>
+                        <a:spcAft>
+                          <a:spcPts val="0"/>
+                        </a:spcAft>
+                        <a:buClrTx/>
+                        <a:buSzTx/>
+                        <a:buFontTx/>
+                        <a:buNone/>
+                        <a:tabLst/>
+                        <a:defRPr/>
+                      </a:pPr>
+                      <a:r>
+                        <a:rPr lang="en-US" sz="1800" kern="100" dirty="0" smtClean="0">
+                          <a:effectLst/>
+                        </a:rPr>
+                        <a:t>Expected output</a:t>
+                      </a:r>
+                    </a:p>
+                  </a:txBody>
+                  <a:tcPr/>
+                </a:tc>
+              </a:tr>
+              <a:tr h="370840">
+                <a:tc>
+                  <a:txBody>
+                    <a:bodyPr/>
+                    <a:lstStyle/>
+                    <a:p>
+                      <a:r>
+                        <a:rPr lang="en-US" dirty="0" smtClean="0"/>
+                        <a:t>1</a:t>
+                      </a:r>
+                      <a:endParaRPr lang="en-US" dirty="0"/>
+                    </a:p>
+                  </a:txBody>
+                  <a:tcPr/>
+                </a:tc>
+                <a:tc>
+                  <a:txBody>
+                    <a:bodyPr/>
+                    <a:lstStyle/>
+                    <a:p>
+                      <a:r>
+                        <a:rPr lang="en-US" dirty="0" smtClean="0"/>
+                        <a:t>Users finished</a:t>
+                      </a:r>
+                      <a:r>
+                        <a:rPr lang="en-US" baseline="0" dirty="0" smtClean="0"/>
+                        <a:t> a run</a:t>
+                      </a:r>
+                      <a:endParaRPr lang="en-US" dirty="0"/>
+                    </a:p>
+                  </a:txBody>
+                  <a:tcPr/>
+                </a:tc>
+                <a:tc>
+                  <a:txBody>
+                    <a:bodyPr/>
+                    <a:lstStyle/>
+                    <a:p>
+                      <a:r>
+                        <a:rPr lang="en-US" dirty="0" smtClean="0"/>
+                        <a:t>file</a:t>
+                      </a:r>
+                      <a:endParaRPr lang="en-US" dirty="0"/>
+                    </a:p>
+                  </a:txBody>
+                  <a:tcPr/>
+                </a:tc>
+                <a:tc>
+                  <a:txBody>
+                    <a:bodyPr/>
+                    <a:lstStyle/>
+                    <a:p>
+                      <a:r>
+                        <a:rPr lang="en-US" dirty="0" smtClean="0"/>
+                        <a:t>Give a hint that algorithm </a:t>
+                      </a:r>
+                      <a:r>
+                        <a:rPr lang="en-US" dirty="0" err="1" smtClean="0"/>
+                        <a:t>stoped</a:t>
+                      </a:r>
+                      <a:endParaRPr lang="en-US" dirty="0"/>
+                    </a:p>
+                  </a:txBody>
+                  <a:tcPr/>
+                </a:tc>
+              </a:tr>
+              <a:tr h="370840">
+                <a:tc>
+                  <a:txBody>
+                    <a:bodyPr/>
+                    <a:lstStyle/>
+                    <a:p>
+                      <a:r>
+                        <a:rPr lang="en-US" dirty="0" smtClean="0"/>
+                        <a:t>2</a:t>
+                      </a:r>
+                      <a:endParaRPr lang="en-US" dirty="0"/>
+                    </a:p>
+                  </a:txBody>
+                  <a:tcPr/>
+                </a:tc>
+                <a:tc>
+                  <a:txBody>
+                    <a:bodyPr/>
+                    <a:lstStyle/>
+                    <a:p>
+                      <a:r>
+                        <a:rPr lang="en-US" altLang="zh-CN" dirty="0" smtClean="0"/>
+                        <a:t>Users</a:t>
+                      </a:r>
+                      <a:r>
+                        <a:rPr lang="zh-CN" altLang="en-US" dirty="0" smtClean="0"/>
+                        <a:t> </a:t>
+                      </a:r>
+                      <a:r>
+                        <a:rPr lang="en-US" altLang="zh-CN" dirty="0" smtClean="0"/>
+                        <a:t>want</a:t>
+                      </a:r>
+                      <a:r>
+                        <a:rPr lang="zh-CN" altLang="en-US" dirty="0" smtClean="0"/>
+                        <a:t> </a:t>
+                      </a:r>
+                      <a:r>
+                        <a:rPr lang="en-US" altLang="zh-CN" dirty="0" smtClean="0"/>
+                        <a:t>to</a:t>
+                      </a:r>
+                      <a:r>
+                        <a:rPr lang="zh-CN" altLang="en-US" dirty="0" smtClean="0"/>
+                        <a:t> </a:t>
+                      </a:r>
+                      <a:r>
+                        <a:rPr lang="en-US" altLang="zh-CN" dirty="0" smtClean="0"/>
+                        <a:t>search</a:t>
+                      </a:r>
+                      <a:r>
+                        <a:rPr lang="zh-CN" altLang="en-US" dirty="0" smtClean="0"/>
+                        <a:t> </a:t>
+                      </a:r>
+                      <a:r>
+                        <a:rPr lang="en-US" altLang="zh-CN" dirty="0" smtClean="0"/>
+                        <a:t>by</a:t>
+                      </a:r>
+                      <a:r>
+                        <a:rPr lang="zh-CN" altLang="en-US" baseline="0" dirty="0" smtClean="0"/>
+                        <a:t> </a:t>
+                      </a:r>
+                      <a:r>
+                        <a:rPr lang="en-US" altLang="zh-CN" baseline="0" dirty="0" smtClean="0"/>
+                        <a:t>date</a:t>
+                      </a:r>
+                      <a:r>
+                        <a:rPr lang="zh-CN" altLang="en-US" baseline="0" dirty="0" smtClean="0"/>
+                        <a:t> </a:t>
+                      </a:r>
+                      <a:r>
+                        <a:rPr lang="en-US" altLang="zh-CN" baseline="0" dirty="0" smtClean="0"/>
+                        <a:t>and</a:t>
+                      </a:r>
+                      <a:r>
+                        <a:rPr lang="zh-CN" altLang="en-US" baseline="0" dirty="0" smtClean="0"/>
+                        <a:t> </a:t>
+                      </a:r>
+                      <a:r>
+                        <a:rPr lang="en-US" altLang="zh-CN" baseline="0" dirty="0" smtClean="0"/>
+                        <a:t>click</a:t>
+                      </a:r>
+                      <a:r>
+                        <a:rPr lang="zh-CN" altLang="en-US" baseline="0" dirty="0" smtClean="0"/>
+                        <a:t> </a:t>
+                      </a:r>
+                      <a:r>
+                        <a:rPr lang="en-US" altLang="zh-CN" baseline="0" dirty="0" smtClean="0"/>
+                        <a:t>the</a:t>
+                      </a:r>
+                      <a:r>
+                        <a:rPr lang="zh-CN" altLang="en-US" baseline="0" dirty="0" smtClean="0"/>
+                        <a:t> </a:t>
+                      </a:r>
+                      <a:r>
+                        <a:rPr lang="en-US" altLang="zh-CN" baseline="0" dirty="0" smtClean="0"/>
+                        <a:t>date</a:t>
+                      </a:r>
+                      <a:r>
+                        <a:rPr lang="zh-CN" altLang="en-US" baseline="0" dirty="0" smtClean="0"/>
+                        <a:t> </a:t>
+                      </a:r>
+                      <a:r>
+                        <a:rPr lang="en-US" altLang="zh-CN" baseline="0" dirty="0" smtClean="0"/>
+                        <a:t>input</a:t>
+                      </a:r>
+                      <a:r>
+                        <a:rPr lang="zh-CN" altLang="en-US" baseline="0" dirty="0" smtClean="0"/>
+                        <a:t> </a:t>
+                      </a:r>
+                      <a:r>
+                        <a:rPr lang="en-US" altLang="zh-CN" baseline="0" dirty="0" smtClean="0"/>
+                        <a:t>field</a:t>
+                      </a:r>
+                      <a:endParaRPr lang="en-US" dirty="0"/>
+                    </a:p>
+                  </a:txBody>
+                  <a:tcPr/>
+                </a:tc>
+                <a:tc>
+                  <a:txBody>
+                    <a:bodyPr/>
+                    <a:lstStyle/>
+                    <a:p>
+                      <a:endParaRPr lang="en-US" dirty="0"/>
+                    </a:p>
+                  </a:txBody>
+                  <a:tcPr/>
+                </a:tc>
+                <a:tc>
+                  <a:txBody>
+                    <a:bodyPr/>
+                    <a:lstStyle/>
+                    <a:p>
+                      <a:r>
+                        <a:rPr lang="en-US" altLang="zh-CN" dirty="0" smtClean="0"/>
+                        <a:t>System</a:t>
+                      </a:r>
+                      <a:r>
+                        <a:rPr lang="zh-CN" altLang="en-US" dirty="0" smtClean="0"/>
+                        <a:t> </a:t>
+                      </a:r>
+                      <a:r>
+                        <a:rPr lang="en-US" altLang="zh-CN" dirty="0" smtClean="0"/>
+                        <a:t>give</a:t>
+                      </a:r>
+                      <a:r>
+                        <a:rPr lang="zh-CN" altLang="en-US" dirty="0" smtClean="0"/>
+                        <a:t> </a:t>
+                      </a:r>
+                      <a:r>
+                        <a:rPr lang="en-US" altLang="zh-CN" dirty="0" smtClean="0"/>
+                        <a:t>a</a:t>
+                      </a:r>
+                      <a:r>
+                        <a:rPr lang="zh-CN" altLang="en-US" dirty="0" smtClean="0"/>
+                        <a:t> </a:t>
+                      </a:r>
+                      <a:r>
+                        <a:rPr lang="en-US" altLang="zh-CN" dirty="0" smtClean="0"/>
+                        <a:t>time</a:t>
+                      </a:r>
+                      <a:r>
+                        <a:rPr lang="zh-CN" altLang="en-US" dirty="0" smtClean="0"/>
+                        <a:t> </a:t>
+                      </a:r>
+                      <a:r>
+                        <a:rPr lang="en-US" altLang="zh-CN" dirty="0" smtClean="0"/>
+                        <a:t>picker</a:t>
+                      </a:r>
+                      <a:r>
+                        <a:rPr lang="zh-CN" altLang="en-US" dirty="0" smtClean="0"/>
+                        <a:t> </a:t>
+                      </a:r>
+                      <a:r>
+                        <a:rPr lang="en-US" altLang="zh-CN" dirty="0" smtClean="0"/>
+                        <a:t>for</a:t>
+                      </a:r>
+                      <a:r>
+                        <a:rPr lang="zh-CN" altLang="en-US" dirty="0" smtClean="0"/>
+                        <a:t> </a:t>
+                      </a:r>
+                      <a:r>
+                        <a:rPr lang="en-US" altLang="zh-CN" dirty="0" smtClean="0"/>
+                        <a:t>users</a:t>
+                      </a:r>
+                      <a:endParaRPr lang="en-US" dirty="0"/>
+                    </a:p>
+                  </a:txBody>
+                  <a:tcPr/>
+                </a:tc>
+              </a:tr>
+              <a:tr h="370840">
+                <a:tc>
+                  <a:txBody>
+                    <a:bodyPr/>
+                    <a:lstStyle/>
+                    <a:p>
+                      <a:endParaRPr lang="en-US" dirty="0"/>
+                    </a:p>
+                  </a:txBody>
+                  <a:tcPr/>
+                </a:tc>
+                <a:tc>
+                  <a:txBody>
+                    <a:bodyPr/>
+                    <a:lstStyle/>
+                    <a:p>
+                      <a:endParaRPr lang="en-US" dirty="0"/>
+                    </a:p>
+                  </a:txBody>
+                  <a:tcPr/>
+                </a:tc>
+                <a:tc>
+                  <a:txBody>
+                    <a:bodyPr/>
+                    <a:lstStyle/>
+                    <a:p>
+                      <a:endParaRPr lang="en-US"/>
+                    </a:p>
+                  </a:txBody>
+                  <a:tcPr/>
+                </a:tc>
+                <a:tc>
+                  <a:txBody>
+                    <a:bodyPr/>
+                    <a:lstStyle/>
+                    <a:p>
+                      <a:endParaRPr lang="en-US" dirty="0"/>
+                    </a:p>
+                  </a:txBody>
+                  <a:tcPr/>
+                </a:tc>
+              </a:tr>
+            </a:tbl>
+          </a:graphicData>
+        </a:graphic>
+      </p:graphicFrame>
       <p:sp>
         <p:nvSpPr>
-          <p:cNvPr id="3" name="Content Placeholder 2"/>
-          <p:cNvSpPr>
-            <a:spLocks noGrp="1"/>
-          </p:cNvSpPr>
-          <p:nvPr>
-            <p:ph idx="1"/>
-          </p:nvPr>
+          <p:cNvPr id="9" name="TextBox 8"/>
+          <p:cNvSpPr txBox="1"/>
+          <p:nvPr/>
         </p:nvSpPr>
-        <p:spPr/>
+        <p:spPr>
+          <a:xfrm>
+            <a:off x="685800" y="1696535"/>
+            <a:ext cx="7034981" cy="369332"/>
+          </a:xfrm>
+          <a:prstGeom prst="rect">
+            <a:avLst/>
+          </a:prstGeom>
+          <a:noFill/>
+        </p:spPr>
         <p:txBody>
-          <a:bodyPr/>
+          <a:bodyPr wrap="square" rtlCol="0">
+            <a:spAutoFit/>
+          </a:bodyPr>
           <a:lstStyle/>
           <a:p>
-            <a:endParaRPr lang="en-US"/>
+            <a:r>
+              <a:rPr lang="en-US" altLang="zh-CN" dirty="0" smtClean="0"/>
+              <a:t>All</a:t>
+            </a:r>
+            <a:r>
+              <a:rPr lang="zh-CN" altLang="en-US" dirty="0" smtClean="0"/>
+              <a:t> </a:t>
+            </a:r>
+            <a:r>
+              <a:rPr lang="en-US" altLang="zh-CN" dirty="0" smtClean="0"/>
+              <a:t>the</a:t>
+            </a:r>
+            <a:r>
+              <a:rPr lang="zh-CN" altLang="en-US" dirty="0" smtClean="0"/>
+              <a:t> </a:t>
+            </a:r>
+            <a:r>
+              <a:rPr lang="en-US" altLang="zh-CN" dirty="0" smtClean="0"/>
+              <a:t>a</a:t>
+            </a:r>
+            <a:r>
+              <a:rPr lang="en-US" dirty="0" smtClean="0"/>
+              <a:t>cceptance </a:t>
+            </a:r>
+            <a:r>
+              <a:rPr lang="en-US" dirty="0"/>
+              <a:t>testing </a:t>
+            </a:r>
+            <a:r>
+              <a:rPr lang="en-US" dirty="0" smtClean="0"/>
+              <a:t>will be about the files given by Pro</a:t>
+            </a:r>
+            <a:r>
+              <a:rPr lang="en-US" altLang="zh-CN" dirty="0" smtClean="0"/>
+              <a:t>fessor</a:t>
+            </a:r>
+            <a:endParaRPr lang="en-US" dirty="0"/>
           </a:p>
         </p:txBody>
       </p:sp>
@@ -9976,6 +10501,1850 @@
     <p:extLst>
       <p:ext uri="{BB962C8B-B14F-4D97-AF65-F5344CB8AC3E}">
         <p14:creationId xmlns:p14="http://schemas.microsoft.com/office/powerpoint/2010/main" val="3161666274"/>
+      </p:ext>
+    </p:extLst>
+  </p:cSld>
+  <p:clrMapOvr>
+    <a:masterClrMapping/>
+  </p:clrMapOvr>
+</p:sld>
+</file>
+
+<file path=ppt/slides/slide6.xml><?xml version="1.0" encoding="utf-8"?>
+<p:sld xmlns:a="http://schemas.openxmlformats.org/drawingml/2006/main" xmlns:r="http://schemas.openxmlformats.org/officeDocument/2006/relationships" xmlns:p="http://schemas.openxmlformats.org/presentationml/2006/main">
+  <p:cSld>
+    <p:spTree>
+      <p:nvGrpSpPr>
+        <p:cNvPr id="1" name=""/>
+        <p:cNvGrpSpPr/>
+        <p:nvPr/>
+      </p:nvGrpSpPr>
+      <p:grpSpPr>
+        <a:xfrm>
+          <a:off x="0" y="0"/>
+          <a:ext cx="0" cy="0"/>
+          <a:chOff x="0" y="0"/>
+          <a:chExt cx="0" cy="0"/>
+        </a:xfrm>
+      </p:grpSpPr>
+      <p:sp>
+        <p:nvSpPr>
+          <p:cNvPr id="2" name="Title 1"/>
+          <p:cNvSpPr>
+            <a:spLocks noGrp="1"/>
+          </p:cNvSpPr>
+          <p:nvPr>
+            <p:ph type="title"/>
+          </p:nvPr>
+        </p:nvSpPr>
+        <p:spPr>
+          <a:xfrm>
+            <a:off x="685800" y="181897"/>
+            <a:ext cx="10131425" cy="1456267"/>
+          </a:xfrm>
+        </p:spPr>
+        <p:txBody>
+          <a:bodyPr/>
+          <a:lstStyle/>
+          <a:p>
+            <a:r>
+              <a:rPr lang="en-US" altLang="zh-CN" dirty="0" smtClean="0"/>
+              <a:t>File</a:t>
+            </a:r>
+            <a:r>
+              <a:rPr lang="zh-CN" altLang="en-US" dirty="0" smtClean="0"/>
+              <a:t> </a:t>
+            </a:r>
+            <a:r>
+              <a:rPr lang="en-US" altLang="zh-CN" dirty="0" smtClean="0"/>
+              <a:t>validation</a:t>
+            </a:r>
+            <a:r>
+              <a:rPr lang="zh-CN" altLang="en-US" dirty="0" smtClean="0"/>
+              <a:t> </a:t>
+            </a:r>
+            <a:r>
+              <a:rPr lang="en-US" altLang="zh-CN" dirty="0" smtClean="0"/>
+              <a:t>for</a:t>
+            </a:r>
+            <a:r>
+              <a:rPr lang="zh-CN" altLang="en-US" dirty="0" smtClean="0"/>
+              <a:t> </a:t>
+            </a:r>
+            <a:r>
+              <a:rPr lang="en-US" altLang="zh-CN" dirty="0" smtClean="0"/>
+              <a:t>C3</a:t>
+            </a:r>
+            <a:endParaRPr lang="en-US" dirty="0"/>
+          </a:p>
+        </p:txBody>
+      </p:sp>
+      <p:graphicFrame>
+        <p:nvGraphicFramePr>
+          <p:cNvPr id="4" name="Content Placeholder 3"/>
+          <p:cNvGraphicFramePr>
+            <a:graphicFrameLocks noGrp="1"/>
+          </p:cNvGraphicFramePr>
+          <p:nvPr>
+            <p:ph idx="1"/>
+            <p:extLst>
+              <p:ext uri="{D42A27DB-BD31-4B8C-83A1-F6EECF244321}">
+                <p14:modId xmlns:p14="http://schemas.microsoft.com/office/powerpoint/2010/main" val="360850094"/>
+              </p:ext>
+            </p:extLst>
+          </p:nvPr>
+        </p:nvGraphicFramePr>
+        <p:xfrm>
+          <a:off x="685801" y="1522962"/>
+          <a:ext cx="10131424" cy="5247640"/>
+        </p:xfrm>
+        <a:graphic>
+          <a:graphicData uri="http://schemas.openxmlformats.org/drawingml/2006/table">
+            <a:tbl>
+              <a:tblPr firstRow="1" bandRow="1">
+                <a:tableStyleId>{5C22544A-7EE6-4342-B048-85BDC9FD1C3A}</a:tableStyleId>
+              </a:tblPr>
+              <a:tblGrid>
+                <a:gridCol w="2532856"/>
+                <a:gridCol w="2532856"/>
+                <a:gridCol w="2532856"/>
+                <a:gridCol w="2532856"/>
+              </a:tblGrid>
+              <a:tr h="370840">
+                <a:tc>
+                  <a:txBody>
+                    <a:bodyPr/>
+                    <a:lstStyle/>
+                    <a:p>
+                      <a:endParaRPr lang="en-US" dirty="0"/>
+                    </a:p>
+                  </a:txBody>
+                  <a:tcPr/>
+                </a:tc>
+                <a:tc>
+                  <a:txBody>
+                    <a:bodyPr/>
+                    <a:lstStyle/>
+                    <a:p>
+                      <a:endParaRPr lang="en-US"/>
+                    </a:p>
+                  </a:txBody>
+                  <a:tcPr/>
+                </a:tc>
+                <a:tc>
+                  <a:txBody>
+                    <a:bodyPr/>
+                    <a:lstStyle/>
+                    <a:p>
+                      <a:endParaRPr lang="en-US"/>
+                    </a:p>
+                  </a:txBody>
+                  <a:tcPr/>
+                </a:tc>
+                <a:tc>
+                  <a:txBody>
+                    <a:bodyPr/>
+                    <a:lstStyle/>
+                    <a:p>
+                      <a:endParaRPr lang="en-US"/>
+                    </a:p>
+                  </a:txBody>
+                  <a:tcPr/>
+                </a:tc>
+              </a:tr>
+              <a:tr h="370840">
+                <a:tc>
+                  <a:txBody>
+                    <a:bodyPr/>
+                    <a:lstStyle/>
+                    <a:p>
+                      <a:pPr marL="0" marR="0" algn="ctr">
+                        <a:spcBef>
+                          <a:spcPts val="0"/>
+                        </a:spcBef>
+                        <a:spcAft>
+                          <a:spcPts val="0"/>
+                        </a:spcAft>
+                      </a:pPr>
+                      <a:r>
+                        <a:rPr lang="en-US" sz="1600" kern="100" dirty="0" smtClean="0">
+                          <a:effectLst/>
+                        </a:rPr>
+                        <a:t>1</a:t>
+                      </a:r>
+                      <a:endParaRPr lang="en-US" sz="1600" kern="100" dirty="0">
+                        <a:effectLst/>
+                        <a:latin typeface="Times New Roman" panose="02020603050405020304" pitchFamily="18" charset="0"/>
+                        <a:ea typeface="DengXian" panose="02010600030101010101" pitchFamily="2" charset="-122"/>
+                        <a:cs typeface="Times New Roman" panose="02020603050405020304" pitchFamily="18" charset="0"/>
+                      </a:endParaRPr>
+                    </a:p>
+                  </a:txBody>
+                  <a:tcPr marL="68580" marR="68580" marT="0" marB="0"/>
+                </a:tc>
+                <a:tc>
+                  <a:txBody>
+                    <a:bodyPr/>
+                    <a:lstStyle/>
+                    <a:p>
+                      <a:pPr marL="0" marR="0">
+                        <a:spcBef>
+                          <a:spcPts val="0"/>
+                        </a:spcBef>
+                        <a:spcAft>
+                          <a:spcPts val="0"/>
+                        </a:spcAft>
+                      </a:pPr>
+                      <a:r>
+                        <a:rPr lang="en-US" sz="1600" kern="100" dirty="0">
+                          <a:effectLst/>
+                        </a:rPr>
+                        <a:t>Environment has one region and the region has no agent</a:t>
+                      </a:r>
+                      <a:endParaRPr lang="en-US" sz="1600" kern="100" dirty="0">
+                        <a:effectLst/>
+                        <a:latin typeface="Times New Roman" panose="02020603050405020304" pitchFamily="18" charset="0"/>
+                        <a:ea typeface="DengXian" panose="02010600030101010101" pitchFamily="2" charset="-122"/>
+                        <a:cs typeface="Times New Roman" panose="02020603050405020304" pitchFamily="18" charset="0"/>
+                      </a:endParaRPr>
+                    </a:p>
+                  </a:txBody>
+                  <a:tcPr marL="68580" marR="68580" marT="0" marB="0"/>
+                </a:tc>
+                <a:tc>
+                  <a:txBody>
+                    <a:bodyPr/>
+                    <a:lstStyle/>
+                    <a:p>
+                      <a:pPr marL="0" marR="0" algn="ctr">
+                        <a:spcBef>
+                          <a:spcPts val="0"/>
+                        </a:spcBef>
+                        <a:spcAft>
+                          <a:spcPts val="0"/>
+                        </a:spcAft>
+                      </a:pPr>
+                      <a:r>
+                        <a:rPr lang="en-US" sz="1600" kern="100">
+                          <a:effectLst/>
+                        </a:rPr>
+                        <a:t>File</a:t>
+                      </a:r>
+                      <a:endParaRPr lang="en-US" sz="1600" kern="100">
+                        <a:effectLst/>
+                        <a:latin typeface="Times New Roman" panose="02020603050405020304" pitchFamily="18" charset="0"/>
+                        <a:ea typeface="DengXian" panose="02010600030101010101" pitchFamily="2" charset="-122"/>
+                        <a:cs typeface="Times New Roman" panose="02020603050405020304" pitchFamily="18" charset="0"/>
+                      </a:endParaRPr>
+                    </a:p>
+                  </a:txBody>
+                  <a:tcPr marL="68580" marR="68580" marT="0" marB="0"/>
+                </a:tc>
+                <a:tc>
+                  <a:txBody>
+                    <a:bodyPr/>
+                    <a:lstStyle/>
+                    <a:p>
+                      <a:pPr marL="0" marR="0">
+                        <a:spcBef>
+                          <a:spcPts val="0"/>
+                        </a:spcBef>
+                        <a:spcAft>
+                          <a:spcPts val="0"/>
+                        </a:spcAft>
+                      </a:pPr>
+                      <a:r>
+                        <a:rPr lang="en-US" sz="1600" kern="100">
+                          <a:effectLst/>
+                        </a:rPr>
+                        <a:t>Error message that show each region has at least one agent</a:t>
+                      </a:r>
+                      <a:endParaRPr lang="en-US" sz="1600" kern="100">
+                        <a:effectLst/>
+                        <a:latin typeface="Times New Roman" panose="02020603050405020304" pitchFamily="18" charset="0"/>
+                        <a:ea typeface="DengXian" panose="02010600030101010101" pitchFamily="2" charset="-122"/>
+                        <a:cs typeface="Times New Roman" panose="02020603050405020304" pitchFamily="18" charset="0"/>
+                      </a:endParaRPr>
+                    </a:p>
+                  </a:txBody>
+                  <a:tcPr marL="68580" marR="68580" marT="0" marB="0"/>
+                </a:tc>
+              </a:tr>
+              <a:tr h="370840">
+                <a:tc>
+                  <a:txBody>
+                    <a:bodyPr/>
+                    <a:lstStyle/>
+                    <a:p>
+                      <a:pPr marL="0" marR="0" algn="ctr">
+                        <a:spcBef>
+                          <a:spcPts val="0"/>
+                        </a:spcBef>
+                        <a:spcAft>
+                          <a:spcPts val="0"/>
+                        </a:spcAft>
+                      </a:pPr>
+                      <a:r>
+                        <a:rPr lang="en-US" sz="1600" kern="100" dirty="0" smtClean="0">
+                          <a:effectLst/>
+                        </a:rPr>
+                        <a:t>2</a:t>
+                      </a:r>
+                      <a:endParaRPr lang="en-US" sz="1600" kern="100" dirty="0">
+                        <a:effectLst/>
+                        <a:latin typeface="Times New Roman" panose="02020603050405020304" pitchFamily="18" charset="0"/>
+                        <a:ea typeface="DengXian" panose="02010600030101010101" pitchFamily="2" charset="-122"/>
+                        <a:cs typeface="Times New Roman" panose="02020603050405020304" pitchFamily="18" charset="0"/>
+                      </a:endParaRPr>
+                    </a:p>
+                  </a:txBody>
+                  <a:tcPr marL="68580" marR="68580" marT="0" marB="0"/>
+                </a:tc>
+                <a:tc>
+                  <a:txBody>
+                    <a:bodyPr/>
+                    <a:lstStyle/>
+                    <a:p>
+                      <a:pPr marL="0" marR="0">
+                        <a:spcBef>
+                          <a:spcPts val="0"/>
+                        </a:spcBef>
+                        <a:spcAft>
+                          <a:spcPts val="0"/>
+                        </a:spcAft>
+                      </a:pPr>
+                      <a:r>
+                        <a:rPr lang="en-US" sz="1600" kern="100" dirty="0">
+                          <a:effectLst/>
+                        </a:rPr>
+                        <a:t>Environment has one region, the number of agents in that region is [1-n/3]</a:t>
+                      </a:r>
+                      <a:endParaRPr lang="en-US" sz="1600" kern="100" dirty="0">
+                        <a:effectLst/>
+                        <a:latin typeface="Times New Roman" panose="02020603050405020304" pitchFamily="18" charset="0"/>
+                        <a:ea typeface="DengXian" panose="02010600030101010101" pitchFamily="2" charset="-122"/>
+                        <a:cs typeface="Times New Roman" panose="02020603050405020304" pitchFamily="18" charset="0"/>
+                      </a:endParaRPr>
+                    </a:p>
+                  </a:txBody>
+                  <a:tcPr marL="68580" marR="68580" marT="0" marB="0"/>
+                </a:tc>
+                <a:tc>
+                  <a:txBody>
+                    <a:bodyPr/>
+                    <a:lstStyle/>
+                    <a:p>
+                      <a:pPr marL="0" marR="0" algn="ctr">
+                        <a:spcBef>
+                          <a:spcPts val="0"/>
+                        </a:spcBef>
+                        <a:spcAft>
+                          <a:spcPts val="0"/>
+                        </a:spcAft>
+                      </a:pPr>
+                      <a:r>
+                        <a:rPr lang="en-US" sz="1600" kern="100">
+                          <a:effectLst/>
+                        </a:rPr>
+                        <a:t>File</a:t>
+                      </a:r>
+                      <a:endParaRPr lang="en-US" sz="1600" kern="100">
+                        <a:effectLst/>
+                        <a:latin typeface="Times New Roman" panose="02020603050405020304" pitchFamily="18" charset="0"/>
+                        <a:ea typeface="DengXian" panose="02010600030101010101" pitchFamily="2" charset="-122"/>
+                        <a:cs typeface="Times New Roman" panose="02020603050405020304" pitchFamily="18" charset="0"/>
+                      </a:endParaRPr>
+                    </a:p>
+                  </a:txBody>
+                  <a:tcPr marL="68580" marR="68580" marT="0" marB="0"/>
+                </a:tc>
+                <a:tc>
+                  <a:txBody>
+                    <a:bodyPr/>
+                    <a:lstStyle/>
+                    <a:p>
+                      <a:pPr marL="0" marR="0">
+                        <a:spcBef>
+                          <a:spcPts val="0"/>
+                        </a:spcBef>
+                        <a:spcAft>
+                          <a:spcPts val="0"/>
+                        </a:spcAft>
+                      </a:pPr>
+                      <a:r>
+                        <a:rPr lang="en-US" sz="1600" b="0" i="0" kern="100" dirty="0">
+                          <a:effectLst/>
+                          <a:latin typeface="+mj-lt"/>
+                          <a:ea typeface="DengXian" panose="02010600030101010101" pitchFamily="2" charset="-122"/>
+                          <a:cs typeface="Times New Roman" panose="02020603050405020304" pitchFamily="18" charset="0"/>
+                        </a:rPr>
+                        <a:t>Environment information</a:t>
+                      </a:r>
+                    </a:p>
+                  </a:txBody>
+                  <a:tcPr marL="68580" marR="68580" marT="0" marB="0"/>
+                </a:tc>
+              </a:tr>
+              <a:tr h="370840">
+                <a:tc>
+                  <a:txBody>
+                    <a:bodyPr/>
+                    <a:lstStyle/>
+                    <a:p>
+                      <a:pPr marL="0" marR="0" algn="ctr">
+                        <a:spcBef>
+                          <a:spcPts val="0"/>
+                        </a:spcBef>
+                        <a:spcAft>
+                          <a:spcPts val="0"/>
+                        </a:spcAft>
+                      </a:pPr>
+                      <a:r>
+                        <a:rPr lang="en-US" sz="1600" kern="100" dirty="0" smtClean="0">
+                          <a:effectLst/>
+                        </a:rPr>
+                        <a:t>3</a:t>
+                      </a:r>
+                      <a:endParaRPr lang="en-US" sz="1600" kern="100" dirty="0">
+                        <a:effectLst/>
+                        <a:latin typeface="Times New Roman" panose="02020603050405020304" pitchFamily="18" charset="0"/>
+                        <a:ea typeface="DengXian" panose="02010600030101010101" pitchFamily="2" charset="-122"/>
+                        <a:cs typeface="Times New Roman" panose="02020603050405020304" pitchFamily="18" charset="0"/>
+                      </a:endParaRPr>
+                    </a:p>
+                  </a:txBody>
+                  <a:tcPr marL="68580" marR="68580" marT="0" marB="0"/>
+                </a:tc>
+                <a:tc>
+                  <a:txBody>
+                    <a:bodyPr/>
+                    <a:lstStyle/>
+                    <a:p>
+                      <a:pPr marL="0" marR="0">
+                        <a:spcBef>
+                          <a:spcPts val="0"/>
+                        </a:spcBef>
+                        <a:spcAft>
+                          <a:spcPts val="0"/>
+                        </a:spcAft>
+                      </a:pPr>
+                      <a:r>
+                        <a:rPr lang="en-US" sz="1600" kern="100" dirty="0">
+                          <a:effectLst/>
+                        </a:rPr>
+                        <a:t>Environment has one region, the number of agents in that region is more than [n/3]</a:t>
+                      </a:r>
+                      <a:endParaRPr lang="en-US" sz="1600" kern="100" dirty="0">
+                        <a:effectLst/>
+                        <a:latin typeface="Times New Roman" panose="02020603050405020304" pitchFamily="18" charset="0"/>
+                        <a:ea typeface="DengXian" panose="02010600030101010101" pitchFamily="2" charset="-122"/>
+                        <a:cs typeface="Times New Roman" panose="02020603050405020304" pitchFamily="18" charset="0"/>
+                      </a:endParaRPr>
+                    </a:p>
+                  </a:txBody>
+                  <a:tcPr marL="68580" marR="68580" marT="0" marB="0"/>
+                </a:tc>
+                <a:tc>
+                  <a:txBody>
+                    <a:bodyPr/>
+                    <a:lstStyle/>
+                    <a:p>
+                      <a:pPr marL="0" marR="0" algn="ctr">
+                        <a:spcBef>
+                          <a:spcPts val="0"/>
+                        </a:spcBef>
+                        <a:spcAft>
+                          <a:spcPts val="0"/>
+                        </a:spcAft>
+                      </a:pPr>
+                      <a:r>
+                        <a:rPr lang="en-US" sz="1600" kern="100">
+                          <a:effectLst/>
+                        </a:rPr>
+                        <a:t>File</a:t>
+                      </a:r>
+                      <a:endParaRPr lang="en-US" sz="1600" kern="100">
+                        <a:effectLst/>
+                        <a:latin typeface="Times New Roman" panose="02020603050405020304" pitchFamily="18" charset="0"/>
+                        <a:ea typeface="DengXian" panose="02010600030101010101" pitchFamily="2" charset="-122"/>
+                        <a:cs typeface="Times New Roman" panose="02020603050405020304" pitchFamily="18" charset="0"/>
+                      </a:endParaRPr>
+                    </a:p>
+                  </a:txBody>
+                  <a:tcPr marL="68580" marR="68580" marT="0" marB="0"/>
+                </a:tc>
+                <a:tc>
+                  <a:txBody>
+                    <a:bodyPr/>
+                    <a:lstStyle/>
+                    <a:p>
+                      <a:pPr marL="0" marR="0">
+                        <a:spcBef>
+                          <a:spcPts val="0"/>
+                        </a:spcBef>
+                        <a:spcAft>
+                          <a:spcPts val="0"/>
+                        </a:spcAft>
+                      </a:pPr>
+                      <a:r>
+                        <a:rPr lang="en-US" sz="1600" b="0" i="0" kern="100" dirty="0">
+                          <a:effectLst/>
+                          <a:latin typeface="+mj-lt"/>
+                        </a:rPr>
+                        <a:t>Error message that show the number of each region is [1-n/3]</a:t>
+                      </a:r>
+                      <a:endParaRPr lang="en-US" sz="1600" b="0" i="0" kern="100" dirty="0">
+                        <a:effectLst/>
+                        <a:latin typeface="+mj-lt"/>
+                        <a:ea typeface="DengXian" panose="02010600030101010101" pitchFamily="2" charset="-122"/>
+                        <a:cs typeface="Times New Roman" panose="02020603050405020304" pitchFamily="18" charset="0"/>
+                      </a:endParaRPr>
+                    </a:p>
+                  </a:txBody>
+                  <a:tcPr marL="68580" marR="68580" marT="0" marB="0"/>
+                </a:tc>
+              </a:tr>
+              <a:tr h="370840">
+                <a:tc>
+                  <a:txBody>
+                    <a:bodyPr/>
+                    <a:lstStyle/>
+                    <a:p>
+                      <a:pPr marL="0" marR="0" algn="ctr">
+                        <a:spcBef>
+                          <a:spcPts val="0"/>
+                        </a:spcBef>
+                        <a:spcAft>
+                          <a:spcPts val="0"/>
+                        </a:spcAft>
+                      </a:pPr>
+                      <a:r>
+                        <a:rPr lang="en-US" sz="1600" kern="100" dirty="0" smtClean="0">
+                          <a:effectLst/>
+                        </a:rPr>
+                        <a:t>4</a:t>
+                      </a:r>
+                      <a:endParaRPr lang="en-US" sz="1600" kern="100" dirty="0">
+                        <a:effectLst/>
+                        <a:latin typeface="Times New Roman" panose="02020603050405020304" pitchFamily="18" charset="0"/>
+                        <a:ea typeface="DengXian" panose="02010600030101010101" pitchFamily="2" charset="-122"/>
+                        <a:cs typeface="Times New Roman" panose="02020603050405020304" pitchFamily="18" charset="0"/>
+                      </a:endParaRPr>
+                    </a:p>
+                  </a:txBody>
+                  <a:tcPr marL="68580" marR="68580" marT="0" marB="0"/>
+                </a:tc>
+                <a:tc>
+                  <a:txBody>
+                    <a:bodyPr/>
+                    <a:lstStyle/>
+                    <a:p>
+                      <a:pPr marL="0" marR="0">
+                        <a:spcBef>
+                          <a:spcPts val="0"/>
+                        </a:spcBef>
+                        <a:spcAft>
+                          <a:spcPts val="0"/>
+                        </a:spcAft>
+                      </a:pPr>
+                      <a:r>
+                        <a:rPr lang="en-US" sz="1600" kern="100" dirty="0">
+                          <a:effectLst/>
+                        </a:rPr>
+                        <a:t> Environment has multiple regions; each region has one agent</a:t>
+                      </a:r>
+                      <a:endParaRPr lang="en-US" sz="1600" kern="100" dirty="0">
+                        <a:effectLst/>
+                        <a:latin typeface="Times New Roman" panose="02020603050405020304" pitchFamily="18" charset="0"/>
+                        <a:ea typeface="DengXian" panose="02010600030101010101" pitchFamily="2" charset="-122"/>
+                        <a:cs typeface="Times New Roman" panose="02020603050405020304" pitchFamily="18" charset="0"/>
+                      </a:endParaRPr>
+                    </a:p>
+                  </a:txBody>
+                  <a:tcPr marL="68580" marR="68580" marT="0" marB="0"/>
+                </a:tc>
+                <a:tc>
+                  <a:txBody>
+                    <a:bodyPr/>
+                    <a:lstStyle/>
+                    <a:p>
+                      <a:pPr marL="0" marR="0" algn="ctr">
+                        <a:spcBef>
+                          <a:spcPts val="0"/>
+                        </a:spcBef>
+                        <a:spcAft>
+                          <a:spcPts val="0"/>
+                        </a:spcAft>
+                      </a:pPr>
+                      <a:r>
+                        <a:rPr lang="en-US" sz="1600" kern="100">
+                          <a:effectLst/>
+                        </a:rPr>
+                        <a:t>File</a:t>
+                      </a:r>
+                      <a:endParaRPr lang="en-US" sz="1600" kern="100">
+                        <a:effectLst/>
+                        <a:latin typeface="Times New Roman" panose="02020603050405020304" pitchFamily="18" charset="0"/>
+                        <a:ea typeface="DengXian" panose="02010600030101010101" pitchFamily="2" charset="-122"/>
+                        <a:cs typeface="Times New Roman" panose="02020603050405020304" pitchFamily="18" charset="0"/>
+                      </a:endParaRPr>
+                    </a:p>
+                  </a:txBody>
+                  <a:tcPr marL="68580" marR="68580" marT="0" marB="0"/>
+                </a:tc>
+                <a:tc>
+                  <a:txBody>
+                    <a:bodyPr/>
+                    <a:lstStyle/>
+                    <a:p>
+                      <a:pPr marL="0" marR="0">
+                        <a:spcBef>
+                          <a:spcPts val="0"/>
+                        </a:spcBef>
+                        <a:spcAft>
+                          <a:spcPts val="0"/>
+                        </a:spcAft>
+                      </a:pPr>
+                      <a:r>
+                        <a:rPr lang="en-US" sz="1600" b="0" i="0" kern="100" dirty="0">
+                          <a:effectLst/>
+                          <a:latin typeface="+mj-lt"/>
+                          <a:ea typeface="DengXian" panose="02010600030101010101" pitchFamily="2" charset="-122"/>
+                          <a:cs typeface="Times New Roman" panose="02020603050405020304" pitchFamily="18" charset="0"/>
+                        </a:rPr>
+                        <a:t>Environment information</a:t>
+                      </a:r>
+                    </a:p>
+                  </a:txBody>
+                  <a:tcPr marL="68580" marR="68580" marT="0" marB="0"/>
+                </a:tc>
+              </a:tr>
+              <a:tr h="370840">
+                <a:tc>
+                  <a:txBody>
+                    <a:bodyPr/>
+                    <a:lstStyle/>
+                    <a:p>
+                      <a:pPr marL="0" marR="0" algn="ctr">
+                        <a:spcBef>
+                          <a:spcPts val="0"/>
+                        </a:spcBef>
+                        <a:spcAft>
+                          <a:spcPts val="0"/>
+                        </a:spcAft>
+                      </a:pPr>
+                      <a:r>
+                        <a:rPr lang="en-US" sz="1600" kern="100" dirty="0" smtClean="0">
+                          <a:effectLst/>
+                        </a:rPr>
+                        <a:t>5</a:t>
+                      </a:r>
+                      <a:endParaRPr lang="en-US" sz="1600" kern="100" dirty="0">
+                        <a:effectLst/>
+                        <a:latin typeface="Times New Roman" panose="02020603050405020304" pitchFamily="18" charset="0"/>
+                        <a:ea typeface="DengXian" panose="02010600030101010101" pitchFamily="2" charset="-122"/>
+                        <a:cs typeface="Times New Roman" panose="02020603050405020304" pitchFamily="18" charset="0"/>
+                      </a:endParaRPr>
+                    </a:p>
+                  </a:txBody>
+                  <a:tcPr marL="68580" marR="68580" marT="0" marB="0"/>
+                </a:tc>
+                <a:tc>
+                  <a:txBody>
+                    <a:bodyPr/>
+                    <a:lstStyle/>
+                    <a:p>
+                      <a:pPr marL="0" marR="0">
+                        <a:spcBef>
+                          <a:spcPts val="0"/>
+                        </a:spcBef>
+                        <a:spcAft>
+                          <a:spcPts val="0"/>
+                        </a:spcAft>
+                      </a:pPr>
+                      <a:r>
+                        <a:rPr lang="en-US" sz="1600" kern="100" dirty="0">
+                          <a:effectLst/>
+                        </a:rPr>
+                        <a:t> Environment has multiple regions, the number of agents in each region is [1-n/3]</a:t>
+                      </a:r>
+                      <a:endParaRPr lang="en-US" sz="1600" kern="100" dirty="0">
+                        <a:effectLst/>
+                        <a:latin typeface="Times New Roman" panose="02020603050405020304" pitchFamily="18" charset="0"/>
+                        <a:ea typeface="DengXian" panose="02010600030101010101" pitchFamily="2" charset="-122"/>
+                        <a:cs typeface="Times New Roman" panose="02020603050405020304" pitchFamily="18" charset="0"/>
+                      </a:endParaRPr>
+                    </a:p>
+                  </a:txBody>
+                  <a:tcPr marL="68580" marR="68580" marT="0" marB="0"/>
+                </a:tc>
+                <a:tc>
+                  <a:txBody>
+                    <a:bodyPr/>
+                    <a:lstStyle/>
+                    <a:p>
+                      <a:pPr marL="0" marR="0" algn="ctr">
+                        <a:spcBef>
+                          <a:spcPts val="0"/>
+                        </a:spcBef>
+                        <a:spcAft>
+                          <a:spcPts val="0"/>
+                        </a:spcAft>
+                      </a:pPr>
+                      <a:r>
+                        <a:rPr lang="en-US" sz="1600" kern="100">
+                          <a:effectLst/>
+                        </a:rPr>
+                        <a:t>File</a:t>
+                      </a:r>
+                      <a:endParaRPr lang="en-US" sz="1600" kern="100">
+                        <a:effectLst/>
+                        <a:latin typeface="Times New Roman" panose="02020603050405020304" pitchFamily="18" charset="0"/>
+                        <a:ea typeface="DengXian" panose="02010600030101010101" pitchFamily="2" charset="-122"/>
+                        <a:cs typeface="Times New Roman" panose="02020603050405020304" pitchFamily="18" charset="0"/>
+                      </a:endParaRPr>
+                    </a:p>
+                  </a:txBody>
+                  <a:tcPr marL="68580" marR="68580" marT="0" marB="0"/>
+                </a:tc>
+                <a:tc>
+                  <a:txBody>
+                    <a:bodyPr/>
+                    <a:lstStyle/>
+                    <a:p>
+                      <a:pPr marL="0" marR="0">
+                        <a:spcBef>
+                          <a:spcPts val="0"/>
+                        </a:spcBef>
+                        <a:spcAft>
+                          <a:spcPts val="0"/>
+                        </a:spcAft>
+                      </a:pPr>
+                      <a:r>
+                        <a:rPr lang="en-US" sz="1600" b="0" i="0" kern="100" dirty="0">
+                          <a:effectLst/>
+                          <a:latin typeface="+mj-lt"/>
+                          <a:ea typeface="DengXian" panose="02010600030101010101" pitchFamily="2" charset="-122"/>
+                          <a:cs typeface="Times New Roman" panose="02020603050405020304" pitchFamily="18" charset="0"/>
+                        </a:rPr>
+                        <a:t>Environment information</a:t>
+                      </a:r>
+                    </a:p>
+                  </a:txBody>
+                  <a:tcPr marL="68580" marR="68580" marT="0" marB="0"/>
+                </a:tc>
+              </a:tr>
+              <a:tr h="370840">
+                <a:tc>
+                  <a:txBody>
+                    <a:bodyPr/>
+                    <a:lstStyle/>
+                    <a:p>
+                      <a:pPr marL="0" marR="0" algn="ctr">
+                        <a:spcBef>
+                          <a:spcPts val="0"/>
+                        </a:spcBef>
+                        <a:spcAft>
+                          <a:spcPts val="0"/>
+                        </a:spcAft>
+                      </a:pPr>
+                      <a:r>
+                        <a:rPr lang="en-US" sz="1600" kern="100" dirty="0" smtClean="0">
+                          <a:effectLst/>
+                        </a:rPr>
+                        <a:t>6</a:t>
+                      </a:r>
+                      <a:endParaRPr lang="en-US" sz="1600" kern="100" dirty="0">
+                        <a:effectLst/>
+                        <a:latin typeface="Times New Roman" panose="02020603050405020304" pitchFamily="18" charset="0"/>
+                        <a:ea typeface="DengXian" panose="02010600030101010101" pitchFamily="2" charset="-122"/>
+                        <a:cs typeface="Times New Roman" panose="02020603050405020304" pitchFamily="18" charset="0"/>
+                      </a:endParaRPr>
+                    </a:p>
+                  </a:txBody>
+                  <a:tcPr marL="68580" marR="68580" marT="0" marB="0"/>
+                </a:tc>
+                <a:tc>
+                  <a:txBody>
+                    <a:bodyPr/>
+                    <a:lstStyle/>
+                    <a:p>
+                      <a:pPr marL="0" marR="0">
+                        <a:spcBef>
+                          <a:spcPts val="0"/>
+                        </a:spcBef>
+                        <a:spcAft>
+                          <a:spcPts val="0"/>
+                        </a:spcAft>
+                      </a:pPr>
+                      <a:r>
+                        <a:rPr lang="en-US" sz="1600" kern="100" dirty="0">
+                          <a:effectLst/>
+                        </a:rPr>
+                        <a:t> Environment has multiple regions, the number of agents in each region more than [n/3]</a:t>
+                      </a:r>
+                      <a:endParaRPr lang="en-US" sz="1600" kern="100" dirty="0">
+                        <a:effectLst/>
+                        <a:latin typeface="Times New Roman" panose="02020603050405020304" pitchFamily="18" charset="0"/>
+                        <a:ea typeface="DengXian" panose="02010600030101010101" pitchFamily="2" charset="-122"/>
+                        <a:cs typeface="Times New Roman" panose="02020603050405020304" pitchFamily="18" charset="0"/>
+                      </a:endParaRPr>
+                    </a:p>
+                  </a:txBody>
+                  <a:tcPr marL="68580" marR="68580" marT="0" marB="0"/>
+                </a:tc>
+                <a:tc>
+                  <a:txBody>
+                    <a:bodyPr/>
+                    <a:lstStyle/>
+                    <a:p>
+                      <a:pPr marL="0" marR="0" algn="ctr">
+                        <a:spcBef>
+                          <a:spcPts val="0"/>
+                        </a:spcBef>
+                        <a:spcAft>
+                          <a:spcPts val="0"/>
+                        </a:spcAft>
+                      </a:pPr>
+                      <a:r>
+                        <a:rPr lang="en-US" sz="1600" kern="100" dirty="0">
+                          <a:effectLst/>
+                        </a:rPr>
+                        <a:t>File</a:t>
+                      </a:r>
+                      <a:endParaRPr lang="en-US" sz="1600" kern="100" dirty="0">
+                        <a:effectLst/>
+                        <a:latin typeface="Times New Roman" panose="02020603050405020304" pitchFamily="18" charset="0"/>
+                        <a:ea typeface="DengXian" panose="02010600030101010101" pitchFamily="2" charset="-122"/>
+                        <a:cs typeface="Times New Roman" panose="02020603050405020304" pitchFamily="18" charset="0"/>
+                      </a:endParaRPr>
+                    </a:p>
+                  </a:txBody>
+                  <a:tcPr marL="68580" marR="68580" marT="0" marB="0"/>
+                </a:tc>
+                <a:tc>
+                  <a:txBody>
+                    <a:bodyPr/>
+                    <a:lstStyle/>
+                    <a:p>
+                      <a:pPr marL="0" marR="0">
+                        <a:spcBef>
+                          <a:spcPts val="0"/>
+                        </a:spcBef>
+                        <a:spcAft>
+                          <a:spcPts val="0"/>
+                        </a:spcAft>
+                      </a:pPr>
+                      <a:r>
+                        <a:rPr lang="en-US" sz="1600" kern="100" dirty="0">
+                          <a:effectLst/>
+                        </a:rPr>
+                        <a:t>Error message that show the number of each region is [1-n/3]</a:t>
+                      </a:r>
+                      <a:endParaRPr lang="en-US" sz="1600" kern="100" dirty="0">
+                        <a:effectLst/>
+                        <a:latin typeface="Times New Roman" panose="02020603050405020304" pitchFamily="18" charset="0"/>
+                        <a:ea typeface="DengXian" panose="02010600030101010101" pitchFamily="2" charset="-122"/>
+                        <a:cs typeface="Times New Roman" panose="02020603050405020304" pitchFamily="18" charset="0"/>
+                      </a:endParaRPr>
+                    </a:p>
+                  </a:txBody>
+                  <a:tcPr marL="68580" marR="68580" marT="0" marB="0"/>
+                </a:tc>
+              </a:tr>
+            </a:tbl>
+          </a:graphicData>
+        </a:graphic>
+      </p:graphicFrame>
+    </p:spTree>
+    <p:extLst>
+      <p:ext uri="{BB962C8B-B14F-4D97-AF65-F5344CB8AC3E}">
+        <p14:creationId xmlns:p14="http://schemas.microsoft.com/office/powerpoint/2010/main" val="2147251264"/>
+      </p:ext>
+    </p:extLst>
+  </p:cSld>
+  <p:clrMapOvr>
+    <a:masterClrMapping/>
+  </p:clrMapOvr>
+</p:sld>
+</file>
+
+<file path=ppt/slides/slide7.xml><?xml version="1.0" encoding="utf-8"?>
+<p:sld xmlns:a="http://schemas.openxmlformats.org/drawingml/2006/main" xmlns:r="http://schemas.openxmlformats.org/officeDocument/2006/relationships" xmlns:p="http://schemas.openxmlformats.org/presentationml/2006/main">
+  <p:cSld>
+    <p:spTree>
+      <p:nvGrpSpPr>
+        <p:cNvPr id="1" name=""/>
+        <p:cNvGrpSpPr/>
+        <p:nvPr/>
+      </p:nvGrpSpPr>
+      <p:grpSpPr>
+        <a:xfrm>
+          <a:off x="0" y="0"/>
+          <a:ext cx="0" cy="0"/>
+          <a:chOff x="0" y="0"/>
+          <a:chExt cx="0" cy="0"/>
+        </a:xfrm>
+      </p:grpSpPr>
+      <p:sp>
+        <p:nvSpPr>
+          <p:cNvPr id="2" name="Title 1"/>
+          <p:cNvSpPr>
+            <a:spLocks noGrp="1"/>
+          </p:cNvSpPr>
+          <p:nvPr>
+            <p:ph type="title"/>
+          </p:nvPr>
+        </p:nvSpPr>
+        <p:spPr>
+          <a:xfrm>
+            <a:off x="553064" y="462116"/>
+            <a:ext cx="10131425" cy="1456267"/>
+          </a:xfrm>
+        </p:spPr>
+        <p:txBody>
+          <a:bodyPr/>
+          <a:lstStyle/>
+          <a:p>
+            <a:r>
+              <a:rPr lang="en-US" altLang="zh-CN" dirty="0" smtClean="0"/>
+              <a:t>File</a:t>
+            </a:r>
+            <a:r>
+              <a:rPr lang="zh-CN" altLang="en-US" dirty="0" smtClean="0"/>
+              <a:t> </a:t>
+            </a:r>
+            <a:r>
+              <a:rPr lang="en-US" altLang="zh-CN" dirty="0" smtClean="0"/>
+              <a:t>validation</a:t>
+            </a:r>
+            <a:r>
+              <a:rPr lang="zh-CN" altLang="en-US" dirty="0" smtClean="0"/>
+              <a:t> </a:t>
+            </a:r>
+            <a:r>
+              <a:rPr lang="en-US" altLang="zh-CN" dirty="0" smtClean="0"/>
+              <a:t>for</a:t>
+            </a:r>
+            <a:r>
+              <a:rPr lang="zh-CN" altLang="en-US" dirty="0" smtClean="0"/>
+              <a:t> </a:t>
+            </a:r>
+            <a:r>
+              <a:rPr lang="en-US" altLang="zh-CN" dirty="0" smtClean="0"/>
+              <a:t>c4</a:t>
+            </a:r>
+            <a:endParaRPr lang="en-US" dirty="0"/>
+          </a:p>
+        </p:txBody>
+      </p:sp>
+      <p:graphicFrame>
+        <p:nvGraphicFramePr>
+          <p:cNvPr id="4" name="Content Placeholder 3"/>
+          <p:cNvGraphicFramePr>
+            <a:graphicFrameLocks noGrp="1"/>
+          </p:cNvGraphicFramePr>
+          <p:nvPr>
+            <p:ph idx="1"/>
+            <p:extLst>
+              <p:ext uri="{D42A27DB-BD31-4B8C-83A1-F6EECF244321}">
+                <p14:modId xmlns:p14="http://schemas.microsoft.com/office/powerpoint/2010/main" val="1171711695"/>
+              </p:ext>
+            </p:extLst>
+          </p:nvPr>
+        </p:nvGraphicFramePr>
+        <p:xfrm>
+          <a:off x="553065" y="2065867"/>
+          <a:ext cx="10131424" cy="4632960"/>
+        </p:xfrm>
+        <a:graphic>
+          <a:graphicData uri="http://schemas.openxmlformats.org/drawingml/2006/table">
+            <a:tbl>
+              <a:tblPr firstRow="1" bandRow="1">
+                <a:tableStyleId>{5C22544A-7EE6-4342-B048-85BDC9FD1C3A}</a:tableStyleId>
+              </a:tblPr>
+              <a:tblGrid>
+                <a:gridCol w="2532856"/>
+                <a:gridCol w="2532856"/>
+                <a:gridCol w="2532856"/>
+                <a:gridCol w="2532856"/>
+              </a:tblGrid>
+              <a:tr h="339213">
+                <a:tc>
+                  <a:txBody>
+                    <a:bodyPr/>
+                    <a:lstStyle/>
+                    <a:p>
+                      <a:endParaRPr lang="en-US" dirty="0"/>
+                    </a:p>
+                  </a:txBody>
+                  <a:tcPr/>
+                </a:tc>
+                <a:tc>
+                  <a:txBody>
+                    <a:bodyPr/>
+                    <a:lstStyle/>
+                    <a:p>
+                      <a:endParaRPr lang="en-US"/>
+                    </a:p>
+                  </a:txBody>
+                  <a:tcPr/>
+                </a:tc>
+                <a:tc>
+                  <a:txBody>
+                    <a:bodyPr/>
+                    <a:lstStyle/>
+                    <a:p>
+                      <a:endParaRPr lang="en-US"/>
+                    </a:p>
+                  </a:txBody>
+                  <a:tcPr/>
+                </a:tc>
+                <a:tc>
+                  <a:txBody>
+                    <a:bodyPr/>
+                    <a:lstStyle/>
+                    <a:p>
+                      <a:endParaRPr lang="en-US"/>
+                    </a:p>
+                  </a:txBody>
+                  <a:tcPr/>
+                </a:tc>
+              </a:tr>
+              <a:tr h="370840">
+                <a:tc>
+                  <a:txBody>
+                    <a:bodyPr/>
+                    <a:lstStyle/>
+                    <a:p>
+                      <a:pPr marL="0" marR="0" algn="ctr">
+                        <a:spcBef>
+                          <a:spcPts val="0"/>
+                        </a:spcBef>
+                        <a:spcAft>
+                          <a:spcPts val="0"/>
+                        </a:spcAft>
+                      </a:pPr>
+                      <a:r>
+                        <a:rPr lang="en-US" sz="1400" kern="100" dirty="0">
+                          <a:effectLst/>
+                        </a:rPr>
+                        <a:t>1</a:t>
+                      </a:r>
+                      <a:endParaRPr lang="en-US" sz="1400" kern="100" dirty="0">
+                        <a:effectLst/>
+                        <a:latin typeface="Times New Roman" panose="02020603050405020304" pitchFamily="18" charset="0"/>
+                        <a:ea typeface="DengXian" panose="02010600030101010101" pitchFamily="2" charset="-122"/>
+                        <a:cs typeface="Times New Roman" panose="02020603050405020304" pitchFamily="18" charset="0"/>
+                      </a:endParaRPr>
+                    </a:p>
+                  </a:txBody>
+                  <a:tcPr marL="63534" marR="63534" marT="0" marB="0"/>
+                </a:tc>
+                <a:tc>
+                  <a:txBody>
+                    <a:bodyPr/>
+                    <a:lstStyle/>
+                    <a:p>
+                      <a:pPr marL="0" marR="0">
+                        <a:spcBef>
+                          <a:spcPts val="0"/>
+                        </a:spcBef>
+                        <a:spcAft>
+                          <a:spcPts val="0"/>
+                        </a:spcAft>
+                      </a:pPr>
+                      <a:r>
+                        <a:rPr lang="en-US" sz="1400" kern="100" dirty="0">
+                          <a:effectLst/>
+                        </a:rPr>
+                        <a:t>Environment has one region and the region has no agent</a:t>
+                      </a:r>
+                      <a:endParaRPr lang="en-US" sz="1400" kern="100" dirty="0">
+                        <a:effectLst/>
+                        <a:latin typeface="Times New Roman" panose="02020603050405020304" pitchFamily="18" charset="0"/>
+                        <a:ea typeface="DengXian" panose="02010600030101010101" pitchFamily="2" charset="-122"/>
+                        <a:cs typeface="Times New Roman" panose="02020603050405020304" pitchFamily="18" charset="0"/>
+                      </a:endParaRPr>
+                    </a:p>
+                  </a:txBody>
+                  <a:tcPr marL="63534" marR="63534" marT="0" marB="0"/>
+                </a:tc>
+                <a:tc>
+                  <a:txBody>
+                    <a:bodyPr/>
+                    <a:lstStyle/>
+                    <a:p>
+                      <a:pPr marL="0" marR="0" algn="ctr">
+                        <a:spcBef>
+                          <a:spcPts val="0"/>
+                        </a:spcBef>
+                        <a:spcAft>
+                          <a:spcPts val="0"/>
+                        </a:spcAft>
+                      </a:pPr>
+                      <a:r>
+                        <a:rPr lang="en-US" sz="1400" kern="100">
+                          <a:effectLst/>
+                        </a:rPr>
+                        <a:t>File</a:t>
+                      </a:r>
+                      <a:endParaRPr lang="en-US" sz="1400" kern="100">
+                        <a:effectLst/>
+                        <a:latin typeface="Times New Roman" panose="02020603050405020304" pitchFamily="18" charset="0"/>
+                        <a:ea typeface="DengXian" panose="02010600030101010101" pitchFamily="2" charset="-122"/>
+                        <a:cs typeface="Times New Roman" panose="02020603050405020304" pitchFamily="18" charset="0"/>
+                      </a:endParaRPr>
+                    </a:p>
+                  </a:txBody>
+                  <a:tcPr marL="63534" marR="63534" marT="0" marB="0"/>
+                </a:tc>
+                <a:tc>
+                  <a:txBody>
+                    <a:bodyPr/>
+                    <a:lstStyle/>
+                    <a:p>
+                      <a:pPr marL="0" marR="0">
+                        <a:spcBef>
+                          <a:spcPts val="0"/>
+                        </a:spcBef>
+                        <a:spcAft>
+                          <a:spcPts val="0"/>
+                        </a:spcAft>
+                      </a:pPr>
+                      <a:r>
+                        <a:rPr lang="en-US" sz="1400" kern="100">
+                          <a:effectLst/>
+                        </a:rPr>
+                        <a:t>Error message that show each region has at least one agent</a:t>
+                      </a:r>
+                      <a:endParaRPr lang="en-US" sz="1400" kern="100">
+                        <a:effectLst/>
+                        <a:latin typeface="Times New Roman" panose="02020603050405020304" pitchFamily="18" charset="0"/>
+                        <a:ea typeface="DengXian" panose="02010600030101010101" pitchFamily="2" charset="-122"/>
+                        <a:cs typeface="Times New Roman" panose="02020603050405020304" pitchFamily="18" charset="0"/>
+                      </a:endParaRPr>
+                    </a:p>
+                  </a:txBody>
+                  <a:tcPr marL="63534" marR="63534" marT="0" marB="0"/>
+                </a:tc>
+              </a:tr>
+              <a:tr h="370840">
+                <a:tc>
+                  <a:txBody>
+                    <a:bodyPr/>
+                    <a:lstStyle/>
+                    <a:p>
+                      <a:pPr marL="0" marR="0" algn="ctr">
+                        <a:spcBef>
+                          <a:spcPts val="0"/>
+                        </a:spcBef>
+                        <a:spcAft>
+                          <a:spcPts val="0"/>
+                        </a:spcAft>
+                      </a:pPr>
+                      <a:r>
+                        <a:rPr lang="en-US" sz="1400" kern="100">
+                          <a:effectLst/>
+                        </a:rPr>
+                        <a:t>2</a:t>
+                      </a:r>
+                      <a:endParaRPr lang="en-US" sz="1400" kern="100">
+                        <a:effectLst/>
+                        <a:latin typeface="Times New Roman" panose="02020603050405020304" pitchFamily="18" charset="0"/>
+                        <a:ea typeface="DengXian" panose="02010600030101010101" pitchFamily="2" charset="-122"/>
+                        <a:cs typeface="Times New Roman" panose="02020603050405020304" pitchFamily="18" charset="0"/>
+                      </a:endParaRPr>
+                    </a:p>
+                  </a:txBody>
+                  <a:tcPr marL="63534" marR="63534" marT="0" marB="0"/>
+                </a:tc>
+                <a:tc>
+                  <a:txBody>
+                    <a:bodyPr/>
+                    <a:lstStyle/>
+                    <a:p>
+                      <a:pPr marL="0" marR="0">
+                        <a:spcBef>
+                          <a:spcPts val="0"/>
+                        </a:spcBef>
+                        <a:spcAft>
+                          <a:spcPts val="0"/>
+                        </a:spcAft>
+                      </a:pPr>
+                      <a:r>
+                        <a:rPr lang="en-US" sz="1400" kern="100" dirty="0">
+                          <a:effectLst/>
+                        </a:rPr>
+                        <a:t>Environment has one region, the number of agents in that region is [1-n/4]</a:t>
+                      </a:r>
+                      <a:endParaRPr lang="en-US" sz="1400" kern="100" dirty="0">
+                        <a:effectLst/>
+                        <a:latin typeface="Times New Roman" panose="02020603050405020304" pitchFamily="18" charset="0"/>
+                        <a:ea typeface="DengXian" panose="02010600030101010101" pitchFamily="2" charset="-122"/>
+                        <a:cs typeface="Times New Roman" panose="02020603050405020304" pitchFamily="18" charset="0"/>
+                      </a:endParaRPr>
+                    </a:p>
+                  </a:txBody>
+                  <a:tcPr marL="63534" marR="63534" marT="0" marB="0"/>
+                </a:tc>
+                <a:tc>
+                  <a:txBody>
+                    <a:bodyPr/>
+                    <a:lstStyle/>
+                    <a:p>
+                      <a:pPr marL="0" marR="0" algn="ctr">
+                        <a:spcBef>
+                          <a:spcPts val="0"/>
+                        </a:spcBef>
+                        <a:spcAft>
+                          <a:spcPts val="0"/>
+                        </a:spcAft>
+                      </a:pPr>
+                      <a:r>
+                        <a:rPr lang="en-US" sz="1400" kern="100">
+                          <a:effectLst/>
+                        </a:rPr>
+                        <a:t>File</a:t>
+                      </a:r>
+                      <a:endParaRPr lang="en-US" sz="1400" kern="100">
+                        <a:effectLst/>
+                        <a:latin typeface="Times New Roman" panose="02020603050405020304" pitchFamily="18" charset="0"/>
+                        <a:ea typeface="DengXian" panose="02010600030101010101" pitchFamily="2" charset="-122"/>
+                        <a:cs typeface="Times New Roman" panose="02020603050405020304" pitchFamily="18" charset="0"/>
+                      </a:endParaRPr>
+                    </a:p>
+                  </a:txBody>
+                  <a:tcPr marL="63534" marR="63534" marT="0" marB="0"/>
+                </a:tc>
+                <a:tc>
+                  <a:txBody>
+                    <a:bodyPr/>
+                    <a:lstStyle/>
+                    <a:p>
+                      <a:pPr marL="0" marR="0">
+                        <a:spcBef>
+                          <a:spcPts val="0"/>
+                        </a:spcBef>
+                        <a:spcAft>
+                          <a:spcPts val="0"/>
+                        </a:spcAft>
+                      </a:pPr>
+                      <a:r>
+                        <a:rPr lang="en-US" sz="1400" kern="100">
+                          <a:effectLst/>
+                        </a:rPr>
+                        <a:t>Environment information</a:t>
+                      </a:r>
+                      <a:endParaRPr lang="en-US" sz="1400" kern="100">
+                        <a:effectLst/>
+                        <a:latin typeface="Times New Roman" panose="02020603050405020304" pitchFamily="18" charset="0"/>
+                        <a:ea typeface="DengXian" panose="02010600030101010101" pitchFamily="2" charset="-122"/>
+                        <a:cs typeface="Times New Roman" panose="02020603050405020304" pitchFamily="18" charset="0"/>
+                      </a:endParaRPr>
+                    </a:p>
+                  </a:txBody>
+                  <a:tcPr marL="63534" marR="63534" marT="0" marB="0"/>
+                </a:tc>
+              </a:tr>
+              <a:tr h="370840">
+                <a:tc>
+                  <a:txBody>
+                    <a:bodyPr/>
+                    <a:lstStyle/>
+                    <a:p>
+                      <a:pPr marL="0" marR="0" algn="ctr">
+                        <a:spcBef>
+                          <a:spcPts val="0"/>
+                        </a:spcBef>
+                        <a:spcAft>
+                          <a:spcPts val="0"/>
+                        </a:spcAft>
+                      </a:pPr>
+                      <a:r>
+                        <a:rPr lang="en-US" sz="1400" kern="100">
+                          <a:effectLst/>
+                        </a:rPr>
+                        <a:t>3</a:t>
+                      </a:r>
+                      <a:endParaRPr lang="en-US" sz="1400" kern="100">
+                        <a:effectLst/>
+                        <a:latin typeface="Times New Roman" panose="02020603050405020304" pitchFamily="18" charset="0"/>
+                        <a:ea typeface="DengXian" panose="02010600030101010101" pitchFamily="2" charset="-122"/>
+                        <a:cs typeface="Times New Roman" panose="02020603050405020304" pitchFamily="18" charset="0"/>
+                      </a:endParaRPr>
+                    </a:p>
+                  </a:txBody>
+                  <a:tcPr marL="63534" marR="63534" marT="0" marB="0"/>
+                </a:tc>
+                <a:tc>
+                  <a:txBody>
+                    <a:bodyPr/>
+                    <a:lstStyle/>
+                    <a:p>
+                      <a:pPr marL="0" marR="0">
+                        <a:spcBef>
+                          <a:spcPts val="0"/>
+                        </a:spcBef>
+                        <a:spcAft>
+                          <a:spcPts val="0"/>
+                        </a:spcAft>
+                      </a:pPr>
+                      <a:r>
+                        <a:rPr lang="en-US" sz="1400" kern="100" dirty="0">
+                          <a:effectLst/>
+                        </a:rPr>
+                        <a:t>Environment has one region, the number of agents in that region is more than [n/4]</a:t>
+                      </a:r>
+                      <a:endParaRPr lang="en-US" sz="1400" kern="100" dirty="0">
+                        <a:effectLst/>
+                        <a:latin typeface="Times New Roman" panose="02020603050405020304" pitchFamily="18" charset="0"/>
+                        <a:ea typeface="DengXian" panose="02010600030101010101" pitchFamily="2" charset="-122"/>
+                        <a:cs typeface="Times New Roman" panose="02020603050405020304" pitchFamily="18" charset="0"/>
+                      </a:endParaRPr>
+                    </a:p>
+                  </a:txBody>
+                  <a:tcPr marL="63534" marR="63534" marT="0" marB="0"/>
+                </a:tc>
+                <a:tc>
+                  <a:txBody>
+                    <a:bodyPr/>
+                    <a:lstStyle/>
+                    <a:p>
+                      <a:pPr marL="0" marR="0" algn="ctr">
+                        <a:spcBef>
+                          <a:spcPts val="0"/>
+                        </a:spcBef>
+                        <a:spcAft>
+                          <a:spcPts val="0"/>
+                        </a:spcAft>
+                      </a:pPr>
+                      <a:r>
+                        <a:rPr lang="en-US" sz="1400" kern="100">
+                          <a:effectLst/>
+                        </a:rPr>
+                        <a:t>File</a:t>
+                      </a:r>
+                      <a:endParaRPr lang="en-US" sz="1400" kern="100">
+                        <a:effectLst/>
+                        <a:latin typeface="Times New Roman" panose="02020603050405020304" pitchFamily="18" charset="0"/>
+                        <a:ea typeface="DengXian" panose="02010600030101010101" pitchFamily="2" charset="-122"/>
+                        <a:cs typeface="Times New Roman" panose="02020603050405020304" pitchFamily="18" charset="0"/>
+                      </a:endParaRPr>
+                    </a:p>
+                  </a:txBody>
+                  <a:tcPr marL="63534" marR="63534" marT="0" marB="0"/>
+                </a:tc>
+                <a:tc>
+                  <a:txBody>
+                    <a:bodyPr/>
+                    <a:lstStyle/>
+                    <a:p>
+                      <a:pPr marL="0" marR="0">
+                        <a:spcBef>
+                          <a:spcPts val="0"/>
+                        </a:spcBef>
+                        <a:spcAft>
+                          <a:spcPts val="0"/>
+                        </a:spcAft>
+                      </a:pPr>
+                      <a:r>
+                        <a:rPr lang="en-US" sz="1400" kern="100">
+                          <a:effectLst/>
+                        </a:rPr>
+                        <a:t>Error message that show the number of each region is [1-n/4]</a:t>
+                      </a:r>
+                      <a:endParaRPr lang="en-US" sz="1400" kern="100">
+                        <a:effectLst/>
+                        <a:latin typeface="Times New Roman" panose="02020603050405020304" pitchFamily="18" charset="0"/>
+                        <a:ea typeface="DengXian" panose="02010600030101010101" pitchFamily="2" charset="-122"/>
+                        <a:cs typeface="Times New Roman" panose="02020603050405020304" pitchFamily="18" charset="0"/>
+                      </a:endParaRPr>
+                    </a:p>
+                  </a:txBody>
+                  <a:tcPr marL="63534" marR="63534" marT="0" marB="0"/>
+                </a:tc>
+              </a:tr>
+              <a:tr h="370840">
+                <a:tc>
+                  <a:txBody>
+                    <a:bodyPr/>
+                    <a:lstStyle/>
+                    <a:p>
+                      <a:pPr marL="0" marR="0" algn="ctr">
+                        <a:spcBef>
+                          <a:spcPts val="0"/>
+                        </a:spcBef>
+                        <a:spcAft>
+                          <a:spcPts val="0"/>
+                        </a:spcAft>
+                      </a:pPr>
+                      <a:r>
+                        <a:rPr lang="en-US" sz="1400" kern="100">
+                          <a:effectLst/>
+                        </a:rPr>
+                        <a:t>4</a:t>
+                      </a:r>
+                      <a:endParaRPr lang="en-US" sz="1400" kern="100">
+                        <a:effectLst/>
+                        <a:latin typeface="Times New Roman" panose="02020603050405020304" pitchFamily="18" charset="0"/>
+                        <a:ea typeface="DengXian" panose="02010600030101010101" pitchFamily="2" charset="-122"/>
+                        <a:cs typeface="Times New Roman" panose="02020603050405020304" pitchFamily="18" charset="0"/>
+                      </a:endParaRPr>
+                    </a:p>
+                  </a:txBody>
+                  <a:tcPr marL="63534" marR="63534" marT="0" marB="0"/>
+                </a:tc>
+                <a:tc>
+                  <a:txBody>
+                    <a:bodyPr/>
+                    <a:lstStyle/>
+                    <a:p>
+                      <a:pPr marL="0" marR="0">
+                        <a:spcBef>
+                          <a:spcPts val="0"/>
+                        </a:spcBef>
+                        <a:spcAft>
+                          <a:spcPts val="0"/>
+                        </a:spcAft>
+                      </a:pPr>
+                      <a:r>
+                        <a:rPr lang="en-US" sz="1400" kern="100" dirty="0">
+                          <a:effectLst/>
+                        </a:rPr>
+                        <a:t> Environment has multiple regions; each region has one agent</a:t>
+                      </a:r>
+                      <a:endParaRPr lang="en-US" sz="1400" kern="100" dirty="0">
+                        <a:effectLst/>
+                        <a:latin typeface="Times New Roman" panose="02020603050405020304" pitchFamily="18" charset="0"/>
+                        <a:ea typeface="DengXian" panose="02010600030101010101" pitchFamily="2" charset="-122"/>
+                        <a:cs typeface="Times New Roman" panose="02020603050405020304" pitchFamily="18" charset="0"/>
+                      </a:endParaRPr>
+                    </a:p>
+                  </a:txBody>
+                  <a:tcPr marL="63534" marR="63534" marT="0" marB="0"/>
+                </a:tc>
+                <a:tc>
+                  <a:txBody>
+                    <a:bodyPr/>
+                    <a:lstStyle/>
+                    <a:p>
+                      <a:pPr marL="0" marR="0" algn="ctr">
+                        <a:spcBef>
+                          <a:spcPts val="0"/>
+                        </a:spcBef>
+                        <a:spcAft>
+                          <a:spcPts val="0"/>
+                        </a:spcAft>
+                      </a:pPr>
+                      <a:r>
+                        <a:rPr lang="en-US" sz="1400" kern="100">
+                          <a:effectLst/>
+                        </a:rPr>
+                        <a:t>File</a:t>
+                      </a:r>
+                      <a:endParaRPr lang="en-US" sz="1400" kern="100">
+                        <a:effectLst/>
+                        <a:latin typeface="Times New Roman" panose="02020603050405020304" pitchFamily="18" charset="0"/>
+                        <a:ea typeface="DengXian" panose="02010600030101010101" pitchFamily="2" charset="-122"/>
+                        <a:cs typeface="Times New Roman" panose="02020603050405020304" pitchFamily="18" charset="0"/>
+                      </a:endParaRPr>
+                    </a:p>
+                  </a:txBody>
+                  <a:tcPr marL="63534" marR="63534" marT="0" marB="0"/>
+                </a:tc>
+                <a:tc>
+                  <a:txBody>
+                    <a:bodyPr/>
+                    <a:lstStyle/>
+                    <a:p>
+                      <a:pPr marL="0" marR="0">
+                        <a:spcBef>
+                          <a:spcPts val="0"/>
+                        </a:spcBef>
+                        <a:spcAft>
+                          <a:spcPts val="0"/>
+                        </a:spcAft>
+                      </a:pPr>
+                      <a:r>
+                        <a:rPr lang="en-US" sz="1400" kern="100">
+                          <a:effectLst/>
+                        </a:rPr>
+                        <a:t>Environment information</a:t>
+                      </a:r>
+                      <a:endParaRPr lang="en-US" sz="1400" kern="100">
+                        <a:effectLst/>
+                        <a:latin typeface="Times New Roman" panose="02020603050405020304" pitchFamily="18" charset="0"/>
+                        <a:ea typeface="DengXian" panose="02010600030101010101" pitchFamily="2" charset="-122"/>
+                        <a:cs typeface="Times New Roman" panose="02020603050405020304" pitchFamily="18" charset="0"/>
+                      </a:endParaRPr>
+                    </a:p>
+                  </a:txBody>
+                  <a:tcPr marL="63534" marR="63534" marT="0" marB="0"/>
+                </a:tc>
+              </a:tr>
+              <a:tr h="370840">
+                <a:tc>
+                  <a:txBody>
+                    <a:bodyPr/>
+                    <a:lstStyle/>
+                    <a:p>
+                      <a:pPr marL="0" marR="0" algn="ctr">
+                        <a:spcBef>
+                          <a:spcPts val="0"/>
+                        </a:spcBef>
+                        <a:spcAft>
+                          <a:spcPts val="0"/>
+                        </a:spcAft>
+                      </a:pPr>
+                      <a:r>
+                        <a:rPr lang="en-US" sz="1400" kern="100">
+                          <a:effectLst/>
+                        </a:rPr>
+                        <a:t>5</a:t>
+                      </a:r>
+                      <a:endParaRPr lang="en-US" sz="1400" kern="100">
+                        <a:effectLst/>
+                        <a:latin typeface="Times New Roman" panose="02020603050405020304" pitchFamily="18" charset="0"/>
+                        <a:ea typeface="DengXian" panose="02010600030101010101" pitchFamily="2" charset="-122"/>
+                        <a:cs typeface="Times New Roman" panose="02020603050405020304" pitchFamily="18" charset="0"/>
+                      </a:endParaRPr>
+                    </a:p>
+                  </a:txBody>
+                  <a:tcPr marL="63534" marR="63534" marT="0" marB="0"/>
+                </a:tc>
+                <a:tc>
+                  <a:txBody>
+                    <a:bodyPr/>
+                    <a:lstStyle/>
+                    <a:p>
+                      <a:pPr marL="0" marR="0">
+                        <a:spcBef>
+                          <a:spcPts val="0"/>
+                        </a:spcBef>
+                        <a:spcAft>
+                          <a:spcPts val="0"/>
+                        </a:spcAft>
+                      </a:pPr>
+                      <a:r>
+                        <a:rPr lang="en-US" sz="1400" kern="100" dirty="0">
+                          <a:effectLst/>
+                        </a:rPr>
+                        <a:t> Environment has multiple regions, the number of agents in each region is [1-n/4]</a:t>
+                      </a:r>
+                      <a:endParaRPr lang="en-US" sz="1400" kern="100" dirty="0">
+                        <a:effectLst/>
+                        <a:latin typeface="Times New Roman" panose="02020603050405020304" pitchFamily="18" charset="0"/>
+                        <a:ea typeface="DengXian" panose="02010600030101010101" pitchFamily="2" charset="-122"/>
+                        <a:cs typeface="Times New Roman" panose="02020603050405020304" pitchFamily="18" charset="0"/>
+                      </a:endParaRPr>
+                    </a:p>
+                  </a:txBody>
+                  <a:tcPr marL="63534" marR="63534" marT="0" marB="0"/>
+                </a:tc>
+                <a:tc>
+                  <a:txBody>
+                    <a:bodyPr/>
+                    <a:lstStyle/>
+                    <a:p>
+                      <a:pPr marL="0" marR="0" algn="ctr">
+                        <a:spcBef>
+                          <a:spcPts val="0"/>
+                        </a:spcBef>
+                        <a:spcAft>
+                          <a:spcPts val="0"/>
+                        </a:spcAft>
+                      </a:pPr>
+                      <a:r>
+                        <a:rPr lang="en-US" sz="1400" kern="100" dirty="0">
+                          <a:effectLst/>
+                        </a:rPr>
+                        <a:t>File</a:t>
+                      </a:r>
+                      <a:endParaRPr lang="en-US" sz="1400" kern="100" dirty="0">
+                        <a:effectLst/>
+                        <a:latin typeface="Times New Roman" panose="02020603050405020304" pitchFamily="18" charset="0"/>
+                        <a:ea typeface="DengXian" panose="02010600030101010101" pitchFamily="2" charset="-122"/>
+                        <a:cs typeface="Times New Roman" panose="02020603050405020304" pitchFamily="18" charset="0"/>
+                      </a:endParaRPr>
+                    </a:p>
+                  </a:txBody>
+                  <a:tcPr marL="63534" marR="63534" marT="0" marB="0"/>
+                </a:tc>
+                <a:tc>
+                  <a:txBody>
+                    <a:bodyPr/>
+                    <a:lstStyle/>
+                    <a:p>
+                      <a:pPr marL="0" marR="0">
+                        <a:spcBef>
+                          <a:spcPts val="0"/>
+                        </a:spcBef>
+                        <a:spcAft>
+                          <a:spcPts val="0"/>
+                        </a:spcAft>
+                      </a:pPr>
+                      <a:r>
+                        <a:rPr lang="en-US" sz="1400" kern="100">
+                          <a:effectLst/>
+                        </a:rPr>
+                        <a:t>Environment information</a:t>
+                      </a:r>
+                      <a:endParaRPr lang="en-US" sz="1400" kern="100">
+                        <a:effectLst/>
+                        <a:latin typeface="Times New Roman" panose="02020603050405020304" pitchFamily="18" charset="0"/>
+                        <a:ea typeface="DengXian" panose="02010600030101010101" pitchFamily="2" charset="-122"/>
+                        <a:cs typeface="Times New Roman" panose="02020603050405020304" pitchFamily="18" charset="0"/>
+                      </a:endParaRPr>
+                    </a:p>
+                  </a:txBody>
+                  <a:tcPr marL="63534" marR="63534" marT="0" marB="0"/>
+                </a:tc>
+              </a:tr>
+              <a:tr h="370840">
+                <a:tc>
+                  <a:txBody>
+                    <a:bodyPr/>
+                    <a:lstStyle/>
+                    <a:p>
+                      <a:pPr marL="0" marR="0" algn="ctr">
+                        <a:spcBef>
+                          <a:spcPts val="0"/>
+                        </a:spcBef>
+                        <a:spcAft>
+                          <a:spcPts val="0"/>
+                        </a:spcAft>
+                      </a:pPr>
+                      <a:r>
+                        <a:rPr lang="en-US" sz="1400" kern="100">
+                          <a:effectLst/>
+                        </a:rPr>
+                        <a:t>6</a:t>
+                      </a:r>
+                      <a:endParaRPr lang="en-US" sz="1400" kern="100">
+                        <a:effectLst/>
+                        <a:latin typeface="Times New Roman" panose="02020603050405020304" pitchFamily="18" charset="0"/>
+                        <a:ea typeface="DengXian" panose="02010600030101010101" pitchFamily="2" charset="-122"/>
+                        <a:cs typeface="Times New Roman" panose="02020603050405020304" pitchFamily="18" charset="0"/>
+                      </a:endParaRPr>
+                    </a:p>
+                  </a:txBody>
+                  <a:tcPr marL="63534" marR="63534" marT="0" marB="0"/>
+                </a:tc>
+                <a:tc>
+                  <a:txBody>
+                    <a:bodyPr/>
+                    <a:lstStyle/>
+                    <a:p>
+                      <a:pPr marL="0" marR="0">
+                        <a:spcBef>
+                          <a:spcPts val="0"/>
+                        </a:spcBef>
+                        <a:spcAft>
+                          <a:spcPts val="0"/>
+                        </a:spcAft>
+                      </a:pPr>
+                      <a:r>
+                        <a:rPr lang="en-US" sz="1400" kern="100">
+                          <a:effectLst/>
+                        </a:rPr>
+                        <a:t> Environment has multiple regions, the number of agents in each region more than [n/4]</a:t>
+                      </a:r>
+                      <a:endParaRPr lang="en-US" sz="1400" kern="100">
+                        <a:effectLst/>
+                        <a:latin typeface="Times New Roman" panose="02020603050405020304" pitchFamily="18" charset="0"/>
+                        <a:ea typeface="DengXian" panose="02010600030101010101" pitchFamily="2" charset="-122"/>
+                        <a:cs typeface="Times New Roman" panose="02020603050405020304" pitchFamily="18" charset="0"/>
+                      </a:endParaRPr>
+                    </a:p>
+                  </a:txBody>
+                  <a:tcPr marL="63534" marR="63534" marT="0" marB="0"/>
+                </a:tc>
+                <a:tc>
+                  <a:txBody>
+                    <a:bodyPr/>
+                    <a:lstStyle/>
+                    <a:p>
+                      <a:pPr marL="0" marR="0" algn="ctr">
+                        <a:spcBef>
+                          <a:spcPts val="0"/>
+                        </a:spcBef>
+                        <a:spcAft>
+                          <a:spcPts val="0"/>
+                        </a:spcAft>
+                      </a:pPr>
+                      <a:r>
+                        <a:rPr lang="en-US" sz="1400" kern="100" dirty="0">
+                          <a:effectLst/>
+                        </a:rPr>
+                        <a:t>File</a:t>
+                      </a:r>
+                      <a:endParaRPr lang="en-US" sz="1400" kern="100" dirty="0">
+                        <a:effectLst/>
+                        <a:latin typeface="Times New Roman" panose="02020603050405020304" pitchFamily="18" charset="0"/>
+                        <a:ea typeface="DengXian" panose="02010600030101010101" pitchFamily="2" charset="-122"/>
+                        <a:cs typeface="Times New Roman" panose="02020603050405020304" pitchFamily="18" charset="0"/>
+                      </a:endParaRPr>
+                    </a:p>
+                  </a:txBody>
+                  <a:tcPr marL="63534" marR="63534" marT="0" marB="0"/>
+                </a:tc>
+                <a:tc>
+                  <a:txBody>
+                    <a:bodyPr/>
+                    <a:lstStyle/>
+                    <a:p>
+                      <a:pPr marL="0" marR="0">
+                        <a:spcBef>
+                          <a:spcPts val="0"/>
+                        </a:spcBef>
+                        <a:spcAft>
+                          <a:spcPts val="0"/>
+                        </a:spcAft>
+                      </a:pPr>
+                      <a:r>
+                        <a:rPr lang="en-US" sz="1400" kern="100" dirty="0">
+                          <a:effectLst/>
+                        </a:rPr>
+                        <a:t>Error message that show the number of each region is [1-n/4]</a:t>
+                      </a:r>
+                      <a:endParaRPr lang="en-US" sz="1400" kern="100" dirty="0">
+                        <a:effectLst/>
+                        <a:latin typeface="Times New Roman" panose="02020603050405020304" pitchFamily="18" charset="0"/>
+                        <a:ea typeface="DengXian" panose="02010600030101010101" pitchFamily="2" charset="-122"/>
+                        <a:cs typeface="Times New Roman" panose="02020603050405020304" pitchFamily="18" charset="0"/>
+                      </a:endParaRPr>
+                    </a:p>
+                  </a:txBody>
+                  <a:tcPr marL="63534" marR="63534" marT="0" marB="0"/>
+                </a:tc>
+              </a:tr>
+              <a:tr h="370840">
+                <a:tc>
+                  <a:txBody>
+                    <a:bodyPr/>
+                    <a:lstStyle/>
+                    <a:p>
+                      <a:pPr marL="0" marR="0" algn="ctr">
+                        <a:spcBef>
+                          <a:spcPts val="0"/>
+                        </a:spcBef>
+                        <a:spcAft>
+                          <a:spcPts val="0"/>
+                        </a:spcAft>
+                      </a:pPr>
+                      <a:r>
+                        <a:rPr lang="en-US" sz="1400" kern="100">
+                          <a:effectLst/>
+                        </a:rPr>
+                        <a:t>7</a:t>
+                      </a:r>
+                      <a:endParaRPr lang="en-US" sz="1400" kern="100">
+                        <a:effectLst/>
+                        <a:latin typeface="Times New Roman" panose="02020603050405020304" pitchFamily="18" charset="0"/>
+                        <a:ea typeface="DengXian" panose="02010600030101010101" pitchFamily="2" charset="-122"/>
+                        <a:cs typeface="Times New Roman" panose="02020603050405020304" pitchFamily="18" charset="0"/>
+                      </a:endParaRPr>
+                    </a:p>
+                  </a:txBody>
+                  <a:tcPr marL="63534" marR="63534" marT="0" marB="0"/>
+                </a:tc>
+                <a:tc>
+                  <a:txBody>
+                    <a:bodyPr/>
+                    <a:lstStyle/>
+                    <a:p>
+                      <a:pPr marL="0" marR="0">
+                        <a:spcBef>
+                          <a:spcPts val="0"/>
+                        </a:spcBef>
+                        <a:spcAft>
+                          <a:spcPts val="0"/>
+                        </a:spcAft>
+                      </a:pPr>
+                      <a:r>
+                        <a:rPr lang="en-US" sz="1400" kern="100" dirty="0">
+                          <a:effectLst/>
+                        </a:rPr>
+                        <a:t>Input file contains agents that don’t placed at the end nodes of the region.</a:t>
+                      </a:r>
+                      <a:endParaRPr lang="en-US" sz="1400" kern="100" dirty="0">
+                        <a:effectLst/>
+                        <a:latin typeface="Times New Roman" panose="02020603050405020304" pitchFamily="18" charset="0"/>
+                        <a:ea typeface="DengXian" panose="02010600030101010101" pitchFamily="2" charset="-122"/>
+                        <a:cs typeface="Times New Roman" panose="02020603050405020304" pitchFamily="18" charset="0"/>
+                      </a:endParaRPr>
+                    </a:p>
+                  </a:txBody>
+                  <a:tcPr marL="63534" marR="63534" marT="0" marB="0"/>
+                </a:tc>
+                <a:tc>
+                  <a:txBody>
+                    <a:bodyPr/>
+                    <a:lstStyle/>
+                    <a:p>
+                      <a:pPr marL="0" marR="0" algn="ctr">
+                        <a:spcBef>
+                          <a:spcPts val="0"/>
+                        </a:spcBef>
+                        <a:spcAft>
+                          <a:spcPts val="0"/>
+                        </a:spcAft>
+                      </a:pPr>
+                      <a:r>
+                        <a:rPr lang="en-US" sz="1400" kern="100">
+                          <a:effectLst/>
+                        </a:rPr>
+                        <a:t>File</a:t>
+                      </a:r>
+                      <a:endParaRPr lang="en-US" sz="1400" kern="100">
+                        <a:effectLst/>
+                        <a:latin typeface="Times New Roman" panose="02020603050405020304" pitchFamily="18" charset="0"/>
+                        <a:ea typeface="DengXian" panose="02010600030101010101" pitchFamily="2" charset="-122"/>
+                        <a:cs typeface="Times New Roman" panose="02020603050405020304" pitchFamily="18" charset="0"/>
+                      </a:endParaRPr>
+                    </a:p>
+                  </a:txBody>
+                  <a:tcPr marL="63534" marR="63534" marT="0" marB="0"/>
+                </a:tc>
+                <a:tc>
+                  <a:txBody>
+                    <a:bodyPr/>
+                    <a:lstStyle/>
+                    <a:p>
+                      <a:pPr marL="0" marR="0">
+                        <a:spcBef>
+                          <a:spcPts val="0"/>
+                        </a:spcBef>
+                        <a:spcAft>
+                          <a:spcPts val="0"/>
+                        </a:spcAft>
+                      </a:pPr>
+                      <a:r>
+                        <a:rPr lang="en-US" sz="1400" kern="100" dirty="0">
+                          <a:effectLst/>
+                        </a:rPr>
+                        <a:t>Error message : agents initial position error</a:t>
+                      </a:r>
+                      <a:endParaRPr lang="en-US" sz="1400" kern="100" dirty="0">
+                        <a:effectLst/>
+                        <a:latin typeface="Times New Roman" panose="02020603050405020304" pitchFamily="18" charset="0"/>
+                        <a:ea typeface="DengXian" panose="02010600030101010101" pitchFamily="2" charset="-122"/>
+                        <a:cs typeface="Times New Roman" panose="02020603050405020304" pitchFamily="18" charset="0"/>
+                      </a:endParaRPr>
+                    </a:p>
+                  </a:txBody>
+                  <a:tcPr marL="63534" marR="63534" marT="0" marB="0"/>
+                </a:tc>
+              </a:tr>
+            </a:tbl>
+          </a:graphicData>
+        </a:graphic>
+      </p:graphicFrame>
+    </p:spTree>
+    <p:extLst>
+      <p:ext uri="{BB962C8B-B14F-4D97-AF65-F5344CB8AC3E}">
+        <p14:creationId xmlns:p14="http://schemas.microsoft.com/office/powerpoint/2010/main" val="1270294123"/>
       </p:ext>
     </p:extLst>
   </p:cSld>
